--- a/course/cs416/lec/slides/lec6-Paging.pptx
+++ b/course/cs416/lec/slides/lec6-Paging.pptx
@@ -213,7 +213,6 @@
           <a:ln>
             <a:noFill/>
           </a:ln>
-          <a:extLst/>
         </p:spPr>
       </p:pic>
       <p:pic>
@@ -2819,7 +2818,6 @@
           <a:ln>
             <a:noFill/>
           </a:ln>
-          <a:extLst/>
         </p:spPr>
       </p:pic>
       <p:sp>
@@ -4967,7 +4965,6 @@
           <a:ln>
             <a:noFill/>
           </a:ln>
-          <a:extLst/>
         </p:spPr>
       </p:pic>
       <p:sp>
@@ -5152,7 +5149,6 @@
               <a:schemeClr val="tx1"/>
             </a:outerShdw>
           </a:effectLst>
-          <a:extLst/>
         </p:spPr>
       </p:pic>
       <p:sp>
@@ -7169,7 +7165,7 @@
           </a:ln>
           <a:extLst>
             <a:ext uri="{C572A759-6A51-4108-AA02-DFA0A04FC94B}">
-              <ma14:wrappingTextBoxFlag xmlns:ma14="http://schemas.microsoft.com/office/mac/drawingml/2011/main" xmlns="" val="1"/>
+              <ma14:wrappingTextBoxFlag xmlns="" xmlns:ma14="http://schemas.microsoft.com/office/mac/drawingml/2011/main" val="1"/>
             </a:ext>
           </a:extLst>
         </p:spPr>
@@ -7298,7 +7294,7 @@
           </a:ln>
           <a:extLst>
             <a:ext uri="{C572A759-6A51-4108-AA02-DFA0A04FC94B}">
-              <ma14:wrappingTextBoxFlag xmlns:ma14="http://schemas.microsoft.com/office/mac/drawingml/2011/main" xmlns="" val="1"/>
+              <ma14:wrappingTextBoxFlag xmlns="" xmlns:ma14="http://schemas.microsoft.com/office/mac/drawingml/2011/main" val="1"/>
             </a:ext>
           </a:extLst>
         </p:spPr>
@@ -7424,7 +7420,7 @@
           </a:ln>
           <a:extLst>
             <a:ext uri="{C572A759-6A51-4108-AA02-DFA0A04FC94B}">
-              <ma14:wrappingTextBoxFlag xmlns:ma14="http://schemas.microsoft.com/office/mac/drawingml/2011/main" xmlns="" val="1"/>
+              <ma14:wrappingTextBoxFlag xmlns="" xmlns:ma14="http://schemas.microsoft.com/office/mac/drawingml/2011/main" val="1"/>
             </a:ext>
           </a:extLst>
         </p:spPr>
@@ -7547,7 +7543,7 @@
           </a:ln>
           <a:extLst>
             <a:ext uri="{C572A759-6A51-4108-AA02-DFA0A04FC94B}">
-              <ma14:wrappingTextBoxFlag xmlns:ma14="http://schemas.microsoft.com/office/mac/drawingml/2011/main" xmlns="" val="1"/>
+              <ma14:wrappingTextBoxFlag xmlns="" xmlns:ma14="http://schemas.microsoft.com/office/mac/drawingml/2011/main" val="1"/>
             </a:ext>
           </a:extLst>
         </p:spPr>
@@ -7616,7 +7612,7 @@
           </a:ln>
           <a:extLst>
             <a:ext uri="{C572A759-6A51-4108-AA02-DFA0A04FC94B}">
-              <ma14:wrappingTextBoxFlag xmlns:ma14="http://schemas.microsoft.com/office/mac/drawingml/2011/main" xmlns="" val="1"/>
+              <ma14:wrappingTextBoxFlag xmlns="" xmlns:ma14="http://schemas.microsoft.com/office/mac/drawingml/2011/main" val="1"/>
             </a:ext>
           </a:extLst>
         </p:spPr>
@@ -7672,7 +7668,7 @@
           </a:ln>
           <a:extLst>
             <a:ext uri="{C572A759-6A51-4108-AA02-DFA0A04FC94B}">
-              <ma14:wrappingTextBoxFlag xmlns:ma14="http://schemas.microsoft.com/office/mac/drawingml/2011/main" xmlns="" val="1"/>
+              <ma14:wrappingTextBoxFlag xmlns="" xmlns:ma14="http://schemas.microsoft.com/office/mac/drawingml/2011/main" val="1"/>
             </a:ext>
           </a:extLst>
         </p:spPr>
@@ -7720,7 +7716,7 @@
           </a:ln>
           <a:extLst>
             <a:ext uri="{C572A759-6A51-4108-AA02-DFA0A04FC94B}">
-              <ma14:wrappingTextBoxFlag xmlns:ma14="http://schemas.microsoft.com/office/mac/drawingml/2011/main" xmlns="" val="1"/>
+              <ma14:wrappingTextBoxFlag xmlns="" xmlns:ma14="http://schemas.microsoft.com/office/mac/drawingml/2011/main" val="1"/>
             </a:ext>
           </a:extLst>
         </p:spPr>
@@ -7863,7 +7859,7 @@
           </a:ln>
           <a:extLst>
             <a:ext uri="{C572A759-6A51-4108-AA02-DFA0A04FC94B}">
-              <ma14:wrappingTextBoxFlag xmlns:ma14="http://schemas.microsoft.com/office/mac/drawingml/2011/main" xmlns="" val="1"/>
+              <ma14:wrappingTextBoxFlag xmlns="" xmlns:ma14="http://schemas.microsoft.com/office/mac/drawingml/2011/main" val="1"/>
             </a:ext>
           </a:extLst>
         </p:spPr>
@@ -7919,7 +7915,7 @@
           </a:ln>
           <a:extLst>
             <a:ext uri="{C572A759-6A51-4108-AA02-DFA0A04FC94B}">
-              <ma14:wrappingTextBoxFlag xmlns:ma14="http://schemas.microsoft.com/office/mac/drawingml/2011/main" xmlns="" val="1"/>
+              <ma14:wrappingTextBoxFlag xmlns="" xmlns:ma14="http://schemas.microsoft.com/office/mac/drawingml/2011/main" val="1"/>
             </a:ext>
           </a:extLst>
         </p:spPr>
@@ -7975,7 +7971,7 @@
           </a:ln>
           <a:extLst>
             <a:ext uri="{C572A759-6A51-4108-AA02-DFA0A04FC94B}">
-              <ma14:wrappingTextBoxFlag xmlns:ma14="http://schemas.microsoft.com/office/mac/drawingml/2011/main" xmlns="" val="1"/>
+              <ma14:wrappingTextBoxFlag xmlns="" xmlns:ma14="http://schemas.microsoft.com/office/mac/drawingml/2011/main" val="1"/>
             </a:ext>
           </a:extLst>
         </p:spPr>
@@ -8031,7 +8027,7 @@
           </a:ln>
           <a:extLst>
             <a:ext uri="{C572A759-6A51-4108-AA02-DFA0A04FC94B}">
-              <ma14:wrappingTextBoxFlag xmlns:ma14="http://schemas.microsoft.com/office/mac/drawingml/2011/main" xmlns="" val="1"/>
+              <ma14:wrappingTextBoxFlag xmlns="" xmlns:ma14="http://schemas.microsoft.com/office/mac/drawingml/2011/main" val="1"/>
             </a:ext>
           </a:extLst>
         </p:spPr>
@@ -8087,7 +8083,7 @@
           </a:ln>
           <a:extLst>
             <a:ext uri="{C572A759-6A51-4108-AA02-DFA0A04FC94B}">
-              <ma14:wrappingTextBoxFlag xmlns:ma14="http://schemas.microsoft.com/office/mac/drawingml/2011/main" xmlns="" val="1"/>
+              <ma14:wrappingTextBoxFlag xmlns="" xmlns:ma14="http://schemas.microsoft.com/office/mac/drawingml/2011/main" val="1"/>
             </a:ext>
           </a:extLst>
         </p:spPr>
@@ -8143,7 +8139,7 @@
           </a:ln>
           <a:extLst>
             <a:ext uri="{C572A759-6A51-4108-AA02-DFA0A04FC94B}">
-              <ma14:wrappingTextBoxFlag xmlns:ma14="http://schemas.microsoft.com/office/mac/drawingml/2011/main" xmlns="" val="1"/>
+              <ma14:wrappingTextBoxFlag xmlns="" xmlns:ma14="http://schemas.microsoft.com/office/mac/drawingml/2011/main" val="1"/>
             </a:ext>
           </a:extLst>
         </p:spPr>
@@ -8199,7 +8195,7 @@
           </a:ln>
           <a:extLst>
             <a:ext uri="{C572A759-6A51-4108-AA02-DFA0A04FC94B}">
-              <ma14:wrappingTextBoxFlag xmlns:ma14="http://schemas.microsoft.com/office/mac/drawingml/2011/main" xmlns="" val="1"/>
+              <ma14:wrappingTextBoxFlag xmlns="" xmlns:ma14="http://schemas.microsoft.com/office/mac/drawingml/2011/main" val="1"/>
             </a:ext>
           </a:extLst>
         </p:spPr>
@@ -8263,7 +8259,7 @@
           </a:ln>
           <a:extLst>
             <a:ext uri="{C572A759-6A51-4108-AA02-DFA0A04FC94B}">
-              <ma14:wrappingTextBoxFlag xmlns:ma14="http://schemas.microsoft.com/office/mac/drawingml/2011/main" xmlns="" val="1"/>
+              <ma14:wrappingTextBoxFlag xmlns="" xmlns:ma14="http://schemas.microsoft.com/office/mac/drawingml/2011/main" val="1"/>
             </a:ext>
           </a:extLst>
         </p:spPr>
@@ -8352,7 +8348,7 @@
           </a:ln>
           <a:extLst>
             <a:ext uri="{C572A759-6A51-4108-AA02-DFA0A04FC94B}">
-              <ma14:wrappingTextBoxFlag xmlns:ma14="http://schemas.microsoft.com/office/mac/drawingml/2011/main" xmlns="" val="1"/>
+              <ma14:wrappingTextBoxFlag xmlns="" xmlns:ma14="http://schemas.microsoft.com/office/mac/drawingml/2011/main" val="1"/>
             </a:ext>
           </a:extLst>
         </p:spPr>
@@ -8481,7 +8477,7 @@
           </a:ln>
           <a:extLst>
             <a:ext uri="{C572A759-6A51-4108-AA02-DFA0A04FC94B}">
-              <ma14:wrappingTextBoxFlag xmlns:ma14="http://schemas.microsoft.com/office/mac/drawingml/2011/main" xmlns="" val="1"/>
+              <ma14:wrappingTextBoxFlag xmlns="" xmlns:ma14="http://schemas.microsoft.com/office/mac/drawingml/2011/main" val="1"/>
             </a:ext>
           </a:extLst>
         </p:spPr>
@@ -8607,7 +8603,7 @@
           </a:ln>
           <a:extLst>
             <a:ext uri="{C572A759-6A51-4108-AA02-DFA0A04FC94B}">
-              <ma14:wrappingTextBoxFlag xmlns:ma14="http://schemas.microsoft.com/office/mac/drawingml/2011/main" xmlns="" val="1"/>
+              <ma14:wrappingTextBoxFlag xmlns="" xmlns:ma14="http://schemas.microsoft.com/office/mac/drawingml/2011/main" val="1"/>
             </a:ext>
           </a:extLst>
         </p:spPr>
@@ -8730,7 +8726,7 @@
           </a:ln>
           <a:extLst>
             <a:ext uri="{C572A759-6A51-4108-AA02-DFA0A04FC94B}">
-              <ma14:wrappingTextBoxFlag xmlns:ma14="http://schemas.microsoft.com/office/mac/drawingml/2011/main" xmlns="" val="1"/>
+              <ma14:wrappingTextBoxFlag xmlns="" xmlns:ma14="http://schemas.microsoft.com/office/mac/drawingml/2011/main" val="1"/>
             </a:ext>
           </a:extLst>
         </p:spPr>
@@ -8799,7 +8795,7 @@
           </a:ln>
           <a:extLst>
             <a:ext uri="{C572A759-6A51-4108-AA02-DFA0A04FC94B}">
-              <ma14:wrappingTextBoxFlag xmlns:ma14="http://schemas.microsoft.com/office/mac/drawingml/2011/main" xmlns="" val="1"/>
+              <ma14:wrappingTextBoxFlag xmlns="" xmlns:ma14="http://schemas.microsoft.com/office/mac/drawingml/2011/main" val="1"/>
             </a:ext>
           </a:extLst>
         </p:spPr>
@@ -8855,7 +8851,7 @@
           </a:ln>
           <a:extLst>
             <a:ext uri="{C572A759-6A51-4108-AA02-DFA0A04FC94B}">
-              <ma14:wrappingTextBoxFlag xmlns:ma14="http://schemas.microsoft.com/office/mac/drawingml/2011/main" xmlns="" val="1"/>
+              <ma14:wrappingTextBoxFlag xmlns="" xmlns:ma14="http://schemas.microsoft.com/office/mac/drawingml/2011/main" val="1"/>
             </a:ext>
           </a:extLst>
         </p:spPr>
@@ -8906,7 +8902,7 @@
           </a:ln>
           <a:extLst>
             <a:ext uri="{C572A759-6A51-4108-AA02-DFA0A04FC94B}">
-              <ma14:wrappingTextBoxFlag xmlns:ma14="http://schemas.microsoft.com/office/mac/drawingml/2011/main" xmlns="" val="1"/>
+              <ma14:wrappingTextBoxFlag xmlns="" xmlns:ma14="http://schemas.microsoft.com/office/mac/drawingml/2011/main" val="1"/>
             </a:ext>
           </a:extLst>
         </p:spPr>
@@ -9135,7 +9131,7 @@
           </a:ln>
           <a:extLst>
             <a:ext uri="{C572A759-6A51-4108-AA02-DFA0A04FC94B}">
-              <ma14:wrappingTextBoxFlag xmlns:ma14="http://schemas.microsoft.com/office/mac/drawingml/2011/main" xmlns="" val="1"/>
+              <ma14:wrappingTextBoxFlag xmlns="" xmlns:ma14="http://schemas.microsoft.com/office/mac/drawingml/2011/main" val="1"/>
             </a:ext>
           </a:extLst>
         </p:spPr>
@@ -9191,7 +9187,7 @@
           </a:ln>
           <a:extLst>
             <a:ext uri="{C572A759-6A51-4108-AA02-DFA0A04FC94B}">
-              <ma14:wrappingTextBoxFlag xmlns:ma14="http://schemas.microsoft.com/office/mac/drawingml/2011/main" xmlns="" val="1"/>
+              <ma14:wrappingTextBoxFlag xmlns="" xmlns:ma14="http://schemas.microsoft.com/office/mac/drawingml/2011/main" val="1"/>
             </a:ext>
           </a:extLst>
         </p:spPr>
@@ -9247,7 +9243,7 @@
           </a:ln>
           <a:extLst>
             <a:ext uri="{C572A759-6A51-4108-AA02-DFA0A04FC94B}">
-              <ma14:wrappingTextBoxFlag xmlns:ma14="http://schemas.microsoft.com/office/mac/drawingml/2011/main" xmlns="" val="1"/>
+              <ma14:wrappingTextBoxFlag xmlns="" xmlns:ma14="http://schemas.microsoft.com/office/mac/drawingml/2011/main" val="1"/>
             </a:ext>
           </a:extLst>
         </p:spPr>
@@ -9303,7 +9299,7 @@
           </a:ln>
           <a:extLst>
             <a:ext uri="{C572A759-6A51-4108-AA02-DFA0A04FC94B}">
-              <ma14:wrappingTextBoxFlag xmlns:ma14="http://schemas.microsoft.com/office/mac/drawingml/2011/main" xmlns="" val="1"/>
+              <ma14:wrappingTextBoxFlag xmlns="" xmlns:ma14="http://schemas.microsoft.com/office/mac/drawingml/2011/main" val="1"/>
             </a:ext>
           </a:extLst>
         </p:spPr>
@@ -9359,7 +9355,7 @@
           </a:ln>
           <a:extLst>
             <a:ext uri="{C572A759-6A51-4108-AA02-DFA0A04FC94B}">
-              <ma14:wrappingTextBoxFlag xmlns:ma14="http://schemas.microsoft.com/office/mac/drawingml/2011/main" xmlns="" val="1"/>
+              <ma14:wrappingTextBoxFlag xmlns="" xmlns:ma14="http://schemas.microsoft.com/office/mac/drawingml/2011/main" val="1"/>
             </a:ext>
           </a:extLst>
         </p:spPr>
@@ -9415,7 +9411,7 @@
           </a:ln>
           <a:extLst>
             <a:ext uri="{C572A759-6A51-4108-AA02-DFA0A04FC94B}">
-              <ma14:wrappingTextBoxFlag xmlns:ma14="http://schemas.microsoft.com/office/mac/drawingml/2011/main" xmlns="" val="1"/>
+              <ma14:wrappingTextBoxFlag xmlns="" xmlns:ma14="http://schemas.microsoft.com/office/mac/drawingml/2011/main" val="1"/>
             </a:ext>
           </a:extLst>
         </p:spPr>
@@ -9471,7 +9467,7 @@
           </a:ln>
           <a:extLst>
             <a:ext uri="{C572A759-6A51-4108-AA02-DFA0A04FC94B}">
-              <ma14:wrappingTextBoxFlag xmlns:ma14="http://schemas.microsoft.com/office/mac/drawingml/2011/main" xmlns="" val="1"/>
+              <ma14:wrappingTextBoxFlag xmlns="" xmlns:ma14="http://schemas.microsoft.com/office/mac/drawingml/2011/main" val="1"/>
             </a:ext>
           </a:extLst>
         </p:spPr>
@@ -9535,7 +9531,7 @@
           </a:ln>
           <a:extLst>
             <a:ext uri="{C572A759-6A51-4108-AA02-DFA0A04FC94B}">
-              <ma14:wrappingTextBoxFlag xmlns:ma14="http://schemas.microsoft.com/office/mac/drawingml/2011/main" xmlns="" val="1"/>
+              <ma14:wrappingTextBoxFlag xmlns="" xmlns:ma14="http://schemas.microsoft.com/office/mac/drawingml/2011/main" val="1"/>
             </a:ext>
           </a:extLst>
         </p:spPr>
@@ -9624,7 +9620,7 @@
           </a:ln>
           <a:extLst>
             <a:ext uri="{C572A759-6A51-4108-AA02-DFA0A04FC94B}">
-              <ma14:wrappingTextBoxFlag xmlns:ma14="http://schemas.microsoft.com/office/mac/drawingml/2011/main" xmlns="" val="1"/>
+              <ma14:wrappingTextBoxFlag xmlns="" xmlns:ma14="http://schemas.microsoft.com/office/mac/drawingml/2011/main" val="1"/>
             </a:ext>
           </a:extLst>
         </p:spPr>
@@ -9753,7 +9749,7 @@
           </a:ln>
           <a:extLst>
             <a:ext uri="{C572A759-6A51-4108-AA02-DFA0A04FC94B}">
-              <ma14:wrappingTextBoxFlag xmlns:ma14="http://schemas.microsoft.com/office/mac/drawingml/2011/main" xmlns="" val="1"/>
+              <ma14:wrappingTextBoxFlag xmlns="" xmlns:ma14="http://schemas.microsoft.com/office/mac/drawingml/2011/main" val="1"/>
             </a:ext>
           </a:extLst>
         </p:spPr>
@@ -9879,7 +9875,7 @@
           </a:ln>
           <a:extLst>
             <a:ext uri="{C572A759-6A51-4108-AA02-DFA0A04FC94B}">
-              <ma14:wrappingTextBoxFlag xmlns:ma14="http://schemas.microsoft.com/office/mac/drawingml/2011/main" xmlns="" val="1"/>
+              <ma14:wrappingTextBoxFlag xmlns="" xmlns:ma14="http://schemas.microsoft.com/office/mac/drawingml/2011/main" val="1"/>
             </a:ext>
           </a:extLst>
         </p:spPr>
@@ -10002,7 +9998,7 @@
           </a:ln>
           <a:extLst>
             <a:ext uri="{C572A759-6A51-4108-AA02-DFA0A04FC94B}">
-              <ma14:wrappingTextBoxFlag xmlns:ma14="http://schemas.microsoft.com/office/mac/drawingml/2011/main" xmlns="" val="1"/>
+              <ma14:wrappingTextBoxFlag xmlns="" xmlns:ma14="http://schemas.microsoft.com/office/mac/drawingml/2011/main" val="1"/>
             </a:ext>
           </a:extLst>
         </p:spPr>
@@ -10058,7 +10054,7 @@
           </a:ln>
           <a:extLst>
             <a:ext uri="{C572A759-6A51-4108-AA02-DFA0A04FC94B}">
-              <ma14:wrappingTextBoxFlag xmlns:ma14="http://schemas.microsoft.com/office/mac/drawingml/2011/main" xmlns="" val="1"/>
+              <ma14:wrappingTextBoxFlag xmlns="" xmlns:ma14="http://schemas.microsoft.com/office/mac/drawingml/2011/main" val="1"/>
             </a:ext>
           </a:extLst>
         </p:spPr>
@@ -10114,7 +10110,7 @@
           </a:ln>
           <a:extLst>
             <a:ext uri="{C572A759-6A51-4108-AA02-DFA0A04FC94B}">
-              <ma14:wrappingTextBoxFlag xmlns:ma14="http://schemas.microsoft.com/office/mac/drawingml/2011/main" xmlns="" val="1"/>
+              <ma14:wrappingTextBoxFlag xmlns="" xmlns:ma14="http://schemas.microsoft.com/office/mac/drawingml/2011/main" val="1"/>
             </a:ext>
           </a:extLst>
         </p:spPr>
@@ -10165,7 +10161,7 @@
           </a:ln>
           <a:extLst>
             <a:ext uri="{C572A759-6A51-4108-AA02-DFA0A04FC94B}">
-              <ma14:wrappingTextBoxFlag xmlns:ma14="http://schemas.microsoft.com/office/mac/drawingml/2011/main" xmlns="" val="1"/>
+              <ma14:wrappingTextBoxFlag xmlns="" xmlns:ma14="http://schemas.microsoft.com/office/mac/drawingml/2011/main" val="1"/>
             </a:ext>
           </a:extLst>
         </p:spPr>
@@ -10308,7 +10304,7 @@
           </a:ln>
           <a:extLst>
             <a:ext uri="{C572A759-6A51-4108-AA02-DFA0A04FC94B}">
-              <ma14:wrappingTextBoxFlag xmlns:ma14="http://schemas.microsoft.com/office/mac/drawingml/2011/main" xmlns="" val="1"/>
+              <ma14:wrappingTextBoxFlag xmlns="" xmlns:ma14="http://schemas.microsoft.com/office/mac/drawingml/2011/main" val="1"/>
             </a:ext>
           </a:extLst>
         </p:spPr>
@@ -10364,7 +10360,7 @@
           </a:ln>
           <a:extLst>
             <a:ext uri="{C572A759-6A51-4108-AA02-DFA0A04FC94B}">
-              <ma14:wrappingTextBoxFlag xmlns:ma14="http://schemas.microsoft.com/office/mac/drawingml/2011/main" xmlns="" val="1"/>
+              <ma14:wrappingTextBoxFlag xmlns="" xmlns:ma14="http://schemas.microsoft.com/office/mac/drawingml/2011/main" val="1"/>
             </a:ext>
           </a:extLst>
         </p:spPr>
@@ -10420,7 +10416,7 @@
           </a:ln>
           <a:extLst>
             <a:ext uri="{C572A759-6A51-4108-AA02-DFA0A04FC94B}">
-              <ma14:wrappingTextBoxFlag xmlns:ma14="http://schemas.microsoft.com/office/mac/drawingml/2011/main" xmlns="" val="1"/>
+              <ma14:wrappingTextBoxFlag xmlns="" xmlns:ma14="http://schemas.microsoft.com/office/mac/drawingml/2011/main" val="1"/>
             </a:ext>
           </a:extLst>
         </p:spPr>
@@ -10476,7 +10472,7 @@
           </a:ln>
           <a:extLst>
             <a:ext uri="{C572A759-6A51-4108-AA02-DFA0A04FC94B}">
-              <ma14:wrappingTextBoxFlag xmlns:ma14="http://schemas.microsoft.com/office/mac/drawingml/2011/main" xmlns="" val="1"/>
+              <ma14:wrappingTextBoxFlag xmlns="" xmlns:ma14="http://schemas.microsoft.com/office/mac/drawingml/2011/main" val="1"/>
             </a:ext>
           </a:extLst>
         </p:spPr>
@@ -10532,7 +10528,7 @@
           </a:ln>
           <a:extLst>
             <a:ext uri="{C572A759-6A51-4108-AA02-DFA0A04FC94B}">
-              <ma14:wrappingTextBoxFlag xmlns:ma14="http://schemas.microsoft.com/office/mac/drawingml/2011/main" xmlns="" val="1"/>
+              <ma14:wrappingTextBoxFlag xmlns="" xmlns:ma14="http://schemas.microsoft.com/office/mac/drawingml/2011/main" val="1"/>
             </a:ext>
           </a:extLst>
         </p:spPr>
@@ -10588,7 +10584,7 @@
           </a:ln>
           <a:extLst>
             <a:ext uri="{C572A759-6A51-4108-AA02-DFA0A04FC94B}">
-              <ma14:wrappingTextBoxFlag xmlns:ma14="http://schemas.microsoft.com/office/mac/drawingml/2011/main" xmlns="" val="1"/>
+              <ma14:wrappingTextBoxFlag xmlns="" xmlns:ma14="http://schemas.microsoft.com/office/mac/drawingml/2011/main" val="1"/>
             </a:ext>
           </a:extLst>
         </p:spPr>
@@ -10644,7 +10640,7 @@
           </a:ln>
           <a:extLst>
             <a:ext uri="{C572A759-6A51-4108-AA02-DFA0A04FC94B}">
-              <ma14:wrappingTextBoxFlag xmlns:ma14="http://schemas.microsoft.com/office/mac/drawingml/2011/main" xmlns="" val="1"/>
+              <ma14:wrappingTextBoxFlag xmlns="" xmlns:ma14="http://schemas.microsoft.com/office/mac/drawingml/2011/main" val="1"/>
             </a:ext>
           </a:extLst>
         </p:spPr>
@@ -10708,7 +10704,7 @@
           </a:ln>
           <a:extLst>
             <a:ext uri="{C572A759-6A51-4108-AA02-DFA0A04FC94B}">
-              <ma14:wrappingTextBoxFlag xmlns:ma14="http://schemas.microsoft.com/office/mac/drawingml/2011/main" xmlns="" val="1"/>
+              <ma14:wrappingTextBoxFlag xmlns="" xmlns:ma14="http://schemas.microsoft.com/office/mac/drawingml/2011/main" val="1"/>
             </a:ext>
           </a:extLst>
         </p:spPr>
@@ -10764,7 +10760,7 @@
           </a:ln>
           <a:extLst>
             <a:ext uri="{C572A759-6A51-4108-AA02-DFA0A04FC94B}">
-              <ma14:wrappingTextBoxFlag xmlns:ma14="http://schemas.microsoft.com/office/mac/drawingml/2011/main" xmlns="" val="1"/>
+              <ma14:wrappingTextBoxFlag xmlns="" xmlns:ma14="http://schemas.microsoft.com/office/mac/drawingml/2011/main" val="1"/>
             </a:ext>
           </a:extLst>
         </p:spPr>
@@ -10853,7 +10849,7 @@
           </a:ln>
           <a:extLst>
             <a:ext uri="{C572A759-6A51-4108-AA02-DFA0A04FC94B}">
-              <ma14:wrappingTextBoxFlag xmlns:ma14="http://schemas.microsoft.com/office/mac/drawingml/2011/main" xmlns="" val="1"/>
+              <ma14:wrappingTextBoxFlag xmlns="" xmlns:ma14="http://schemas.microsoft.com/office/mac/drawingml/2011/main" val="1"/>
             </a:ext>
           </a:extLst>
         </p:spPr>
@@ -10982,7 +10978,7 @@
           </a:ln>
           <a:extLst>
             <a:ext uri="{C572A759-6A51-4108-AA02-DFA0A04FC94B}">
-              <ma14:wrappingTextBoxFlag xmlns:ma14="http://schemas.microsoft.com/office/mac/drawingml/2011/main" xmlns="" val="1"/>
+              <ma14:wrappingTextBoxFlag xmlns="" xmlns:ma14="http://schemas.microsoft.com/office/mac/drawingml/2011/main" val="1"/>
             </a:ext>
           </a:extLst>
         </p:spPr>
@@ -11108,7 +11104,7 @@
           </a:ln>
           <a:extLst>
             <a:ext uri="{C572A759-6A51-4108-AA02-DFA0A04FC94B}">
-              <ma14:wrappingTextBoxFlag xmlns:ma14="http://schemas.microsoft.com/office/mac/drawingml/2011/main" xmlns="" val="1"/>
+              <ma14:wrappingTextBoxFlag xmlns="" xmlns:ma14="http://schemas.microsoft.com/office/mac/drawingml/2011/main" val="1"/>
             </a:ext>
           </a:extLst>
         </p:spPr>
@@ -11231,7 +11227,7 @@
           </a:ln>
           <a:extLst>
             <a:ext uri="{C572A759-6A51-4108-AA02-DFA0A04FC94B}">
-              <ma14:wrappingTextBoxFlag xmlns:ma14="http://schemas.microsoft.com/office/mac/drawingml/2011/main" xmlns="" val="1"/>
+              <ma14:wrappingTextBoxFlag xmlns="" xmlns:ma14="http://schemas.microsoft.com/office/mac/drawingml/2011/main" val="1"/>
             </a:ext>
           </a:extLst>
         </p:spPr>
@@ -11287,7 +11283,7 @@
           </a:ln>
           <a:extLst>
             <a:ext uri="{C572A759-6A51-4108-AA02-DFA0A04FC94B}">
-              <ma14:wrappingTextBoxFlag xmlns:ma14="http://schemas.microsoft.com/office/mac/drawingml/2011/main" xmlns="" val="1"/>
+              <ma14:wrappingTextBoxFlag xmlns="" xmlns:ma14="http://schemas.microsoft.com/office/mac/drawingml/2011/main" val="1"/>
             </a:ext>
           </a:extLst>
         </p:spPr>
@@ -11343,7 +11339,7 @@
           </a:ln>
           <a:extLst>
             <a:ext uri="{C572A759-6A51-4108-AA02-DFA0A04FC94B}">
-              <ma14:wrappingTextBoxFlag xmlns:ma14="http://schemas.microsoft.com/office/mac/drawingml/2011/main" xmlns="" val="1"/>
+              <ma14:wrappingTextBoxFlag xmlns="" xmlns:ma14="http://schemas.microsoft.com/office/mac/drawingml/2011/main" val="1"/>
             </a:ext>
           </a:extLst>
         </p:spPr>
@@ -11394,7 +11390,7 @@
           </a:ln>
           <a:extLst>
             <a:ext uri="{C572A759-6A51-4108-AA02-DFA0A04FC94B}">
-              <ma14:wrappingTextBoxFlag xmlns:ma14="http://schemas.microsoft.com/office/mac/drawingml/2011/main" xmlns="" val="1"/>
+              <ma14:wrappingTextBoxFlag xmlns="" xmlns:ma14="http://schemas.microsoft.com/office/mac/drawingml/2011/main" val="1"/>
             </a:ext>
           </a:extLst>
         </p:spPr>
@@ -11445,7 +11441,7 @@
           </a:ln>
           <a:extLst>
             <a:ext uri="{C572A759-6A51-4108-AA02-DFA0A04FC94B}">
-              <ma14:wrappingTextBoxFlag xmlns:ma14="http://schemas.microsoft.com/office/mac/drawingml/2011/main" xmlns="" val="1"/>
+              <ma14:wrappingTextBoxFlag xmlns="" xmlns:ma14="http://schemas.microsoft.com/office/mac/drawingml/2011/main" val="1"/>
             </a:ext>
           </a:extLst>
         </p:spPr>
@@ -11674,7 +11670,7 @@
           </a:ln>
           <a:extLst>
             <a:ext uri="{C572A759-6A51-4108-AA02-DFA0A04FC94B}">
-              <ma14:wrappingTextBoxFlag xmlns:ma14="http://schemas.microsoft.com/office/mac/drawingml/2011/main" xmlns="" val="1"/>
+              <ma14:wrappingTextBoxFlag xmlns="" xmlns:ma14="http://schemas.microsoft.com/office/mac/drawingml/2011/main" val="1"/>
             </a:ext>
           </a:extLst>
         </p:spPr>
@@ -11730,7 +11726,7 @@
           </a:ln>
           <a:extLst>
             <a:ext uri="{C572A759-6A51-4108-AA02-DFA0A04FC94B}">
-              <ma14:wrappingTextBoxFlag xmlns:ma14="http://schemas.microsoft.com/office/mac/drawingml/2011/main" xmlns="" val="1"/>
+              <ma14:wrappingTextBoxFlag xmlns="" xmlns:ma14="http://schemas.microsoft.com/office/mac/drawingml/2011/main" val="1"/>
             </a:ext>
           </a:extLst>
         </p:spPr>
@@ -11786,7 +11782,7 @@
           </a:ln>
           <a:extLst>
             <a:ext uri="{C572A759-6A51-4108-AA02-DFA0A04FC94B}">
-              <ma14:wrappingTextBoxFlag xmlns:ma14="http://schemas.microsoft.com/office/mac/drawingml/2011/main" xmlns="" val="1"/>
+              <ma14:wrappingTextBoxFlag xmlns="" xmlns:ma14="http://schemas.microsoft.com/office/mac/drawingml/2011/main" val="1"/>
             </a:ext>
           </a:extLst>
         </p:spPr>
@@ -11842,7 +11838,7 @@
           </a:ln>
           <a:extLst>
             <a:ext uri="{C572A759-6A51-4108-AA02-DFA0A04FC94B}">
-              <ma14:wrappingTextBoxFlag xmlns:ma14="http://schemas.microsoft.com/office/mac/drawingml/2011/main" xmlns="" val="1"/>
+              <ma14:wrappingTextBoxFlag xmlns="" xmlns:ma14="http://schemas.microsoft.com/office/mac/drawingml/2011/main" val="1"/>
             </a:ext>
           </a:extLst>
         </p:spPr>
@@ -11898,7 +11894,7 @@
           </a:ln>
           <a:extLst>
             <a:ext uri="{C572A759-6A51-4108-AA02-DFA0A04FC94B}">
-              <ma14:wrappingTextBoxFlag xmlns:ma14="http://schemas.microsoft.com/office/mac/drawingml/2011/main" xmlns="" val="1"/>
+              <ma14:wrappingTextBoxFlag xmlns="" xmlns:ma14="http://schemas.microsoft.com/office/mac/drawingml/2011/main" val="1"/>
             </a:ext>
           </a:extLst>
         </p:spPr>
@@ -11954,7 +11950,7 @@
           </a:ln>
           <a:extLst>
             <a:ext uri="{C572A759-6A51-4108-AA02-DFA0A04FC94B}">
-              <ma14:wrappingTextBoxFlag xmlns:ma14="http://schemas.microsoft.com/office/mac/drawingml/2011/main" xmlns="" val="1"/>
+              <ma14:wrappingTextBoxFlag xmlns="" xmlns:ma14="http://schemas.microsoft.com/office/mac/drawingml/2011/main" val="1"/>
             </a:ext>
           </a:extLst>
         </p:spPr>
@@ -12010,7 +12006,7 @@
           </a:ln>
           <a:extLst>
             <a:ext uri="{C572A759-6A51-4108-AA02-DFA0A04FC94B}">
-              <ma14:wrappingTextBoxFlag xmlns:ma14="http://schemas.microsoft.com/office/mac/drawingml/2011/main" xmlns="" val="1"/>
+              <ma14:wrappingTextBoxFlag xmlns="" xmlns:ma14="http://schemas.microsoft.com/office/mac/drawingml/2011/main" val="1"/>
             </a:ext>
           </a:extLst>
         </p:spPr>
@@ -12074,7 +12070,7 @@
           </a:ln>
           <a:extLst>
             <a:ext uri="{C572A759-6A51-4108-AA02-DFA0A04FC94B}">
-              <ma14:wrappingTextBoxFlag xmlns:ma14="http://schemas.microsoft.com/office/mac/drawingml/2011/main" xmlns="" val="1"/>
+              <ma14:wrappingTextBoxFlag xmlns="" xmlns:ma14="http://schemas.microsoft.com/office/mac/drawingml/2011/main" val="1"/>
             </a:ext>
           </a:extLst>
         </p:spPr>
@@ -12130,7 +12126,7 @@
           </a:ln>
           <a:extLst>
             <a:ext uri="{C572A759-6A51-4108-AA02-DFA0A04FC94B}">
-              <ma14:wrappingTextBoxFlag xmlns:ma14="http://schemas.microsoft.com/office/mac/drawingml/2011/main" xmlns="" val="1"/>
+              <ma14:wrappingTextBoxFlag xmlns="" xmlns:ma14="http://schemas.microsoft.com/office/mac/drawingml/2011/main" val="1"/>
             </a:ext>
           </a:extLst>
         </p:spPr>
@@ -12331,7 +12327,7 @@
           </a:ln>
           <a:extLst>
             <a:ext uri="{C572A759-6A51-4108-AA02-DFA0A04FC94B}">
-              <ma14:wrappingTextBoxFlag xmlns:ma14="http://schemas.microsoft.com/office/mac/drawingml/2011/main" xmlns="" val="1"/>
+              <ma14:wrappingTextBoxFlag xmlns="" xmlns:ma14="http://schemas.microsoft.com/office/mac/drawingml/2011/main" val="1"/>
             </a:ext>
           </a:extLst>
         </p:spPr>
@@ -12462,7 +12458,7 @@
           </a:ln>
           <a:extLst>
             <a:ext uri="{C572A759-6A51-4108-AA02-DFA0A04FC94B}">
-              <ma14:wrappingTextBoxFlag xmlns:ma14="http://schemas.microsoft.com/office/mac/drawingml/2011/main" xmlns="" val="1"/>
+              <ma14:wrappingTextBoxFlag xmlns="" xmlns:ma14="http://schemas.microsoft.com/office/mac/drawingml/2011/main" val="1"/>
             </a:ext>
           </a:extLst>
         </p:spPr>
@@ -12554,7 +12550,7 @@
           </a:ln>
           <a:extLst>
             <a:ext uri="{C572A759-6A51-4108-AA02-DFA0A04FC94B}">
-              <ma14:wrappingTextBoxFlag xmlns:ma14="http://schemas.microsoft.com/office/mac/drawingml/2011/main" xmlns="" val="1"/>
+              <ma14:wrappingTextBoxFlag xmlns="" xmlns:ma14="http://schemas.microsoft.com/office/mac/drawingml/2011/main" val="1"/>
             </a:ext>
           </a:extLst>
         </p:spPr>
@@ -12646,7 +12642,7 @@
           </a:ln>
           <a:extLst>
             <a:ext uri="{C572A759-6A51-4108-AA02-DFA0A04FC94B}">
-              <ma14:wrappingTextBoxFlag xmlns:ma14="http://schemas.microsoft.com/office/mac/drawingml/2011/main" xmlns="" val="1"/>
+              <ma14:wrappingTextBoxFlag xmlns="" xmlns:ma14="http://schemas.microsoft.com/office/mac/drawingml/2011/main" val="1"/>
             </a:ext>
           </a:extLst>
         </p:spPr>
@@ -12738,7 +12734,7 @@
           </a:ln>
           <a:extLst>
             <a:ext uri="{C572A759-6A51-4108-AA02-DFA0A04FC94B}">
-              <ma14:wrappingTextBoxFlag xmlns:ma14="http://schemas.microsoft.com/office/mac/drawingml/2011/main" xmlns="" val="1"/>
+              <ma14:wrappingTextBoxFlag xmlns="" xmlns:ma14="http://schemas.microsoft.com/office/mac/drawingml/2011/main" val="1"/>
             </a:ext>
           </a:extLst>
         </p:spPr>
@@ -12830,7 +12826,7 @@
           </a:ln>
           <a:extLst>
             <a:ext uri="{C572A759-6A51-4108-AA02-DFA0A04FC94B}">
-              <ma14:wrappingTextBoxFlag xmlns:ma14="http://schemas.microsoft.com/office/mac/drawingml/2011/main" xmlns="" val="1"/>
+              <ma14:wrappingTextBoxFlag xmlns="" xmlns:ma14="http://schemas.microsoft.com/office/mac/drawingml/2011/main" val="1"/>
             </a:ext>
           </a:extLst>
         </p:spPr>
@@ -12922,7 +12918,7 @@
           </a:ln>
           <a:extLst>
             <a:ext uri="{C572A759-6A51-4108-AA02-DFA0A04FC94B}">
-              <ma14:wrappingTextBoxFlag xmlns:ma14="http://schemas.microsoft.com/office/mac/drawingml/2011/main" xmlns="" val="1"/>
+              <ma14:wrappingTextBoxFlag xmlns="" xmlns:ma14="http://schemas.microsoft.com/office/mac/drawingml/2011/main" val="1"/>
             </a:ext>
           </a:extLst>
         </p:spPr>
@@ -13014,7 +13010,7 @@
           </a:ln>
           <a:extLst>
             <a:ext uri="{C572A759-6A51-4108-AA02-DFA0A04FC94B}">
-              <ma14:wrappingTextBoxFlag xmlns:ma14="http://schemas.microsoft.com/office/mac/drawingml/2011/main" xmlns="" val="1"/>
+              <ma14:wrappingTextBoxFlag xmlns="" xmlns:ma14="http://schemas.microsoft.com/office/mac/drawingml/2011/main" val="1"/>
             </a:ext>
           </a:extLst>
         </p:spPr>
@@ -13106,7 +13102,7 @@
           </a:ln>
           <a:extLst>
             <a:ext uri="{C572A759-6A51-4108-AA02-DFA0A04FC94B}">
-              <ma14:wrappingTextBoxFlag xmlns:ma14="http://schemas.microsoft.com/office/mac/drawingml/2011/main" xmlns="" val="1"/>
+              <ma14:wrappingTextBoxFlag xmlns="" xmlns:ma14="http://schemas.microsoft.com/office/mac/drawingml/2011/main" val="1"/>
             </a:ext>
           </a:extLst>
         </p:spPr>
@@ -13198,7 +13194,7 @@
           </a:ln>
           <a:extLst>
             <a:ext uri="{C572A759-6A51-4108-AA02-DFA0A04FC94B}">
-              <ma14:wrappingTextBoxFlag xmlns:ma14="http://schemas.microsoft.com/office/mac/drawingml/2011/main" xmlns="" val="1"/>
+              <ma14:wrappingTextBoxFlag xmlns="" xmlns:ma14="http://schemas.microsoft.com/office/mac/drawingml/2011/main" val="1"/>
             </a:ext>
           </a:extLst>
         </p:spPr>
@@ -13290,7 +13286,7 @@
           </a:ln>
           <a:extLst>
             <a:ext uri="{C572A759-6A51-4108-AA02-DFA0A04FC94B}">
-              <ma14:wrappingTextBoxFlag xmlns:ma14="http://schemas.microsoft.com/office/mac/drawingml/2011/main" xmlns="" val="1"/>
+              <ma14:wrappingTextBoxFlag xmlns="" xmlns:ma14="http://schemas.microsoft.com/office/mac/drawingml/2011/main" val="1"/>
             </a:ext>
           </a:extLst>
         </p:spPr>
@@ -13346,7 +13342,7 @@
           </a:ln>
           <a:extLst>
             <a:ext uri="{C572A759-6A51-4108-AA02-DFA0A04FC94B}">
-              <ma14:wrappingTextBoxFlag xmlns:ma14="http://schemas.microsoft.com/office/mac/drawingml/2011/main" xmlns="" val="1"/>
+              <ma14:wrappingTextBoxFlag xmlns="" xmlns:ma14="http://schemas.microsoft.com/office/mac/drawingml/2011/main" val="1"/>
             </a:ext>
           </a:extLst>
         </p:spPr>
@@ -13401,7 +13397,7 @@
           </a:ln>
           <a:extLst>
             <a:ext uri="{C572A759-6A51-4108-AA02-DFA0A04FC94B}">
-              <ma14:wrappingTextBoxFlag xmlns:ma14="http://schemas.microsoft.com/office/mac/drawingml/2011/main" xmlns="" val="1"/>
+              <ma14:wrappingTextBoxFlag xmlns="" xmlns:ma14="http://schemas.microsoft.com/office/mac/drawingml/2011/main" val="1"/>
             </a:ext>
           </a:extLst>
         </p:spPr>
@@ -13798,7 +13794,7 @@
           </a:ln>
           <a:extLst>
             <a:ext uri="{C572A759-6A51-4108-AA02-DFA0A04FC94B}">
-              <ma14:wrappingTextBoxFlag xmlns:ma14="http://schemas.microsoft.com/office/mac/drawingml/2011/main" xmlns="" val="1"/>
+              <ma14:wrappingTextBoxFlag xmlns="" xmlns:ma14="http://schemas.microsoft.com/office/mac/drawingml/2011/main" val="1"/>
             </a:ext>
           </a:extLst>
         </p:spPr>
@@ -13853,7 +13849,7 @@
           </a:ln>
           <a:extLst>
             <a:ext uri="{C572A759-6A51-4108-AA02-DFA0A04FC94B}">
-              <ma14:wrappingTextBoxFlag xmlns:ma14="http://schemas.microsoft.com/office/mac/drawingml/2011/main" xmlns="" val="1"/>
+              <ma14:wrappingTextBoxFlag xmlns="" xmlns:ma14="http://schemas.microsoft.com/office/mac/drawingml/2011/main" val="1"/>
             </a:ext>
           </a:extLst>
         </p:spPr>
@@ -13908,7 +13904,7 @@
           </a:ln>
           <a:extLst>
             <a:ext uri="{C572A759-6A51-4108-AA02-DFA0A04FC94B}">
-              <ma14:wrappingTextBoxFlag xmlns:ma14="http://schemas.microsoft.com/office/mac/drawingml/2011/main" xmlns="" val="1"/>
+              <ma14:wrappingTextBoxFlag xmlns="" xmlns:ma14="http://schemas.microsoft.com/office/mac/drawingml/2011/main" val="1"/>
             </a:ext>
           </a:extLst>
         </p:spPr>
@@ -13963,7 +13959,7 @@
           </a:ln>
           <a:extLst>
             <a:ext uri="{C572A759-6A51-4108-AA02-DFA0A04FC94B}">
-              <ma14:wrappingTextBoxFlag xmlns:ma14="http://schemas.microsoft.com/office/mac/drawingml/2011/main" xmlns="" val="1"/>
+              <ma14:wrappingTextBoxFlag xmlns="" xmlns:ma14="http://schemas.microsoft.com/office/mac/drawingml/2011/main" val="1"/>
             </a:ext>
           </a:extLst>
         </p:spPr>
@@ -14018,7 +14014,7 @@
           </a:ln>
           <a:extLst>
             <a:ext uri="{C572A759-6A51-4108-AA02-DFA0A04FC94B}">
-              <ma14:wrappingTextBoxFlag xmlns:ma14="http://schemas.microsoft.com/office/mac/drawingml/2011/main" xmlns="" val="1"/>
+              <ma14:wrappingTextBoxFlag xmlns="" xmlns:ma14="http://schemas.microsoft.com/office/mac/drawingml/2011/main" val="1"/>
             </a:ext>
           </a:extLst>
         </p:spPr>
@@ -14073,7 +14069,7 @@
           </a:ln>
           <a:extLst>
             <a:ext uri="{C572A759-6A51-4108-AA02-DFA0A04FC94B}">
-              <ma14:wrappingTextBoxFlag xmlns:ma14="http://schemas.microsoft.com/office/mac/drawingml/2011/main" xmlns="" val="1"/>
+              <ma14:wrappingTextBoxFlag xmlns="" xmlns:ma14="http://schemas.microsoft.com/office/mac/drawingml/2011/main" val="1"/>
             </a:ext>
           </a:extLst>
         </p:spPr>
@@ -14857,7 +14853,7 @@
           </a:ln>
           <a:extLst>
             <a:ext uri="{C572A759-6A51-4108-AA02-DFA0A04FC94B}">
-              <ma14:wrappingTextBoxFlag xmlns:ma14="http://schemas.microsoft.com/office/mac/drawingml/2011/main" xmlns="" val="1"/>
+              <ma14:wrappingTextBoxFlag xmlns="" xmlns:ma14="http://schemas.microsoft.com/office/mac/drawingml/2011/main" val="1"/>
             </a:ext>
           </a:extLst>
         </p:spPr>
@@ -14919,7 +14915,7 @@
           </a:ln>
           <a:extLst>
             <a:ext uri="{C572A759-6A51-4108-AA02-DFA0A04FC94B}">
-              <ma14:wrappingTextBoxFlag xmlns:ma14="http://schemas.microsoft.com/office/mac/drawingml/2011/main" xmlns="" val="1"/>
+              <ma14:wrappingTextBoxFlag xmlns="" xmlns:ma14="http://schemas.microsoft.com/office/mac/drawingml/2011/main" val="1"/>
             </a:ext>
           </a:extLst>
         </p:spPr>
@@ -22244,7 +22240,7 @@
           </a:ln>
           <a:extLst>
             <a:ext uri="{C572A759-6A51-4108-AA02-DFA0A04FC94B}">
-              <ma14:wrappingTextBoxFlag xmlns:ma14="http://schemas.microsoft.com/office/mac/drawingml/2011/main" xmlns="" val="1"/>
+              <ma14:wrappingTextBoxFlag xmlns="" xmlns:ma14="http://schemas.microsoft.com/office/mac/drawingml/2011/main" val="1"/>
             </a:ext>
           </a:extLst>
         </p:spPr>
@@ -22334,7 +22330,7 @@
           </a:ln>
           <a:extLst>
             <a:ext uri="{C572A759-6A51-4108-AA02-DFA0A04FC94B}">
-              <ma14:wrappingTextBoxFlag xmlns:ma14="http://schemas.microsoft.com/office/mac/drawingml/2011/main" xmlns="" val="1"/>
+              <ma14:wrappingTextBoxFlag xmlns="" xmlns:ma14="http://schemas.microsoft.com/office/mac/drawingml/2011/main" val="1"/>
             </a:ext>
           </a:extLst>
         </p:spPr>
@@ -22397,7 +22393,7 @@
           </a:ln>
           <a:extLst>
             <a:ext uri="{C572A759-6A51-4108-AA02-DFA0A04FC94B}">
-              <ma14:wrappingTextBoxFlag xmlns:ma14="http://schemas.microsoft.com/office/mac/drawingml/2011/main" xmlns="" val="1"/>
+              <ma14:wrappingTextBoxFlag xmlns="" xmlns:ma14="http://schemas.microsoft.com/office/mac/drawingml/2011/main" val="1"/>
             </a:ext>
           </a:extLst>
         </p:spPr>
@@ -22448,7 +22444,7 @@
           </a:ln>
           <a:extLst>
             <a:ext uri="{C572A759-6A51-4108-AA02-DFA0A04FC94B}">
-              <ma14:wrappingTextBoxFlag xmlns:ma14="http://schemas.microsoft.com/office/mac/drawingml/2011/main" xmlns="" val="1"/>
+              <ma14:wrappingTextBoxFlag xmlns="" xmlns:ma14="http://schemas.microsoft.com/office/mac/drawingml/2011/main" val="1"/>
             </a:ext>
           </a:extLst>
         </p:spPr>
@@ -22499,7 +22495,7 @@
           </a:ln>
           <a:extLst>
             <a:ext uri="{C572A759-6A51-4108-AA02-DFA0A04FC94B}">
-              <ma14:wrappingTextBoxFlag xmlns:ma14="http://schemas.microsoft.com/office/mac/drawingml/2011/main" xmlns="" val="1"/>
+              <ma14:wrappingTextBoxFlag xmlns="" xmlns:ma14="http://schemas.microsoft.com/office/mac/drawingml/2011/main" val="1"/>
             </a:ext>
           </a:extLst>
         </p:spPr>
@@ -22550,7 +22546,7 @@
           </a:ln>
           <a:extLst>
             <a:ext uri="{C572A759-6A51-4108-AA02-DFA0A04FC94B}">
-              <ma14:wrappingTextBoxFlag xmlns:ma14="http://schemas.microsoft.com/office/mac/drawingml/2011/main" xmlns="" val="1"/>
+              <ma14:wrappingTextBoxFlag xmlns="" xmlns:ma14="http://schemas.microsoft.com/office/mac/drawingml/2011/main" val="1"/>
             </a:ext>
           </a:extLst>
         </p:spPr>
@@ -22601,7 +22597,7 @@
           </a:ln>
           <a:extLst>
             <a:ext uri="{C572A759-6A51-4108-AA02-DFA0A04FC94B}">
-              <ma14:wrappingTextBoxFlag xmlns:ma14="http://schemas.microsoft.com/office/mac/drawingml/2011/main" xmlns="" val="1"/>
+              <ma14:wrappingTextBoxFlag xmlns="" xmlns:ma14="http://schemas.microsoft.com/office/mac/drawingml/2011/main" val="1"/>
             </a:ext>
           </a:extLst>
         </p:spPr>
@@ -22652,7 +22648,7 @@
           </a:ln>
           <a:extLst>
             <a:ext uri="{C572A759-6A51-4108-AA02-DFA0A04FC94B}">
-              <ma14:wrappingTextBoxFlag xmlns:ma14="http://schemas.microsoft.com/office/mac/drawingml/2011/main" xmlns="" val="1"/>
+              <ma14:wrappingTextBoxFlag xmlns="" xmlns:ma14="http://schemas.microsoft.com/office/mac/drawingml/2011/main" val="1"/>
             </a:ext>
           </a:extLst>
         </p:spPr>
@@ -22703,7 +22699,7 @@
           </a:ln>
           <a:extLst>
             <a:ext uri="{C572A759-6A51-4108-AA02-DFA0A04FC94B}">
-              <ma14:wrappingTextBoxFlag xmlns:ma14="http://schemas.microsoft.com/office/mac/drawingml/2011/main" xmlns="" val="1"/>
+              <ma14:wrappingTextBoxFlag xmlns="" xmlns:ma14="http://schemas.microsoft.com/office/mac/drawingml/2011/main" val="1"/>
             </a:ext>
           </a:extLst>
         </p:spPr>
@@ -22754,7 +22750,7 @@
           </a:ln>
           <a:extLst>
             <a:ext uri="{C572A759-6A51-4108-AA02-DFA0A04FC94B}">
-              <ma14:wrappingTextBoxFlag xmlns:ma14="http://schemas.microsoft.com/office/mac/drawingml/2011/main" xmlns="" val="1"/>
+              <ma14:wrappingTextBoxFlag xmlns="" xmlns:ma14="http://schemas.microsoft.com/office/mac/drawingml/2011/main" val="1"/>
             </a:ext>
           </a:extLst>
         </p:spPr>
@@ -22805,7 +22801,7 @@
           </a:ln>
           <a:extLst>
             <a:ext uri="{C572A759-6A51-4108-AA02-DFA0A04FC94B}">
-              <ma14:wrappingTextBoxFlag xmlns:ma14="http://schemas.microsoft.com/office/mac/drawingml/2011/main" xmlns="" val="1"/>
+              <ma14:wrappingTextBoxFlag xmlns="" xmlns:ma14="http://schemas.microsoft.com/office/mac/drawingml/2011/main" val="1"/>
             </a:ext>
           </a:extLst>
         </p:spPr>
@@ -22856,7 +22852,7 @@
           </a:ln>
           <a:extLst>
             <a:ext uri="{C572A759-6A51-4108-AA02-DFA0A04FC94B}">
-              <ma14:wrappingTextBoxFlag xmlns:ma14="http://schemas.microsoft.com/office/mac/drawingml/2011/main" xmlns="" val="1"/>
+              <ma14:wrappingTextBoxFlag xmlns="" xmlns:ma14="http://schemas.microsoft.com/office/mac/drawingml/2011/main" val="1"/>
             </a:ext>
           </a:extLst>
         </p:spPr>
@@ -23418,7 +23414,7 @@
           </a:ln>
           <a:extLst>
             <a:ext uri="{C572A759-6A51-4108-AA02-DFA0A04FC94B}">
-              <ma14:wrappingTextBoxFlag xmlns:ma14="http://schemas.microsoft.com/office/mac/drawingml/2011/main" xmlns="" val="1"/>
+              <ma14:wrappingTextBoxFlag xmlns="" xmlns:ma14="http://schemas.microsoft.com/office/mac/drawingml/2011/main" val="1"/>
             </a:ext>
           </a:extLst>
         </p:spPr>
@@ -23505,7 +23501,7 @@
           </a:ln>
           <a:extLst>
             <a:ext uri="{C572A759-6A51-4108-AA02-DFA0A04FC94B}">
-              <ma14:wrappingTextBoxFlag xmlns:ma14="http://schemas.microsoft.com/office/mac/drawingml/2011/main" xmlns="" val="1"/>
+              <ma14:wrappingTextBoxFlag xmlns="" xmlns:ma14="http://schemas.microsoft.com/office/mac/drawingml/2011/main" val="1"/>
             </a:ext>
           </a:extLst>
         </p:spPr>
@@ -23569,7 +23565,7 @@
           </a:ln>
           <a:extLst>
             <a:ext uri="{C572A759-6A51-4108-AA02-DFA0A04FC94B}">
-              <ma14:wrappingTextBoxFlag xmlns:ma14="http://schemas.microsoft.com/office/mac/drawingml/2011/main" xmlns="" val="1"/>
+              <ma14:wrappingTextBoxFlag xmlns="" xmlns:ma14="http://schemas.microsoft.com/office/mac/drawingml/2011/main" val="1"/>
             </a:ext>
           </a:extLst>
         </p:spPr>
@@ -23620,7 +23616,7 @@
           </a:ln>
           <a:extLst>
             <a:ext uri="{C572A759-6A51-4108-AA02-DFA0A04FC94B}">
-              <ma14:wrappingTextBoxFlag xmlns:ma14="http://schemas.microsoft.com/office/mac/drawingml/2011/main" xmlns="" val="1"/>
+              <ma14:wrappingTextBoxFlag xmlns="" xmlns:ma14="http://schemas.microsoft.com/office/mac/drawingml/2011/main" val="1"/>
             </a:ext>
           </a:extLst>
         </p:spPr>
@@ -23720,7 +23716,7 @@
           </a:ln>
           <a:extLst>
             <a:ext uri="{C572A759-6A51-4108-AA02-DFA0A04FC94B}">
-              <ma14:wrappingTextBoxFlag xmlns:ma14="http://schemas.microsoft.com/office/mac/drawingml/2011/main" xmlns="" val="1"/>
+              <ma14:wrappingTextBoxFlag xmlns="" xmlns:ma14="http://schemas.microsoft.com/office/mac/drawingml/2011/main" val="1"/>
             </a:ext>
           </a:extLst>
         </p:spPr>
@@ -23771,7 +23767,7 @@
           </a:ln>
           <a:extLst>
             <a:ext uri="{C572A759-6A51-4108-AA02-DFA0A04FC94B}">
-              <ma14:wrappingTextBoxFlag xmlns:ma14="http://schemas.microsoft.com/office/mac/drawingml/2011/main" xmlns="" val="1"/>
+              <ma14:wrappingTextBoxFlag xmlns="" xmlns:ma14="http://schemas.microsoft.com/office/mac/drawingml/2011/main" val="1"/>
             </a:ext>
           </a:extLst>
         </p:spPr>
@@ -23822,7 +23818,7 @@
           </a:ln>
           <a:extLst>
             <a:ext uri="{C572A759-6A51-4108-AA02-DFA0A04FC94B}">
-              <ma14:wrappingTextBoxFlag xmlns:ma14="http://schemas.microsoft.com/office/mac/drawingml/2011/main" xmlns="" val="1"/>
+              <ma14:wrappingTextBoxFlag xmlns="" xmlns:ma14="http://schemas.microsoft.com/office/mac/drawingml/2011/main" val="1"/>
             </a:ext>
           </a:extLst>
         </p:spPr>
@@ -23873,7 +23869,7 @@
           </a:ln>
           <a:extLst>
             <a:ext uri="{C572A759-6A51-4108-AA02-DFA0A04FC94B}">
-              <ma14:wrappingTextBoxFlag xmlns:ma14="http://schemas.microsoft.com/office/mac/drawingml/2011/main" xmlns="" val="1"/>
+              <ma14:wrappingTextBoxFlag xmlns="" xmlns:ma14="http://schemas.microsoft.com/office/mac/drawingml/2011/main" val="1"/>
             </a:ext>
           </a:extLst>
         </p:spPr>
@@ -23924,7 +23920,7 @@
           </a:ln>
           <a:extLst>
             <a:ext uri="{C572A759-6A51-4108-AA02-DFA0A04FC94B}">
-              <ma14:wrappingTextBoxFlag xmlns:ma14="http://schemas.microsoft.com/office/mac/drawingml/2011/main" xmlns="" val="1"/>
+              <ma14:wrappingTextBoxFlag xmlns="" xmlns:ma14="http://schemas.microsoft.com/office/mac/drawingml/2011/main" val="1"/>
             </a:ext>
           </a:extLst>
         </p:spPr>
@@ -23975,7 +23971,7 @@
           </a:ln>
           <a:extLst>
             <a:ext uri="{C572A759-6A51-4108-AA02-DFA0A04FC94B}">
-              <ma14:wrappingTextBoxFlag xmlns:ma14="http://schemas.microsoft.com/office/mac/drawingml/2011/main" xmlns="" val="1"/>
+              <ma14:wrappingTextBoxFlag xmlns="" xmlns:ma14="http://schemas.microsoft.com/office/mac/drawingml/2011/main" val="1"/>
             </a:ext>
           </a:extLst>
         </p:spPr>
@@ -24026,7 +24022,7 @@
           </a:ln>
           <a:extLst>
             <a:ext uri="{C572A759-6A51-4108-AA02-DFA0A04FC94B}">
-              <ma14:wrappingTextBoxFlag xmlns:ma14="http://schemas.microsoft.com/office/mac/drawingml/2011/main" xmlns="" val="1"/>
+              <ma14:wrappingTextBoxFlag xmlns="" xmlns:ma14="http://schemas.microsoft.com/office/mac/drawingml/2011/main" val="1"/>
             </a:ext>
           </a:extLst>
         </p:spPr>
@@ -24077,7 +24073,7 @@
           </a:ln>
           <a:extLst>
             <a:ext uri="{C572A759-6A51-4108-AA02-DFA0A04FC94B}">
-              <ma14:wrappingTextBoxFlag xmlns:ma14="http://schemas.microsoft.com/office/mac/drawingml/2011/main" xmlns="" val="1"/>
+              <ma14:wrappingTextBoxFlag xmlns="" xmlns:ma14="http://schemas.microsoft.com/office/mac/drawingml/2011/main" val="1"/>
             </a:ext>
           </a:extLst>
         </p:spPr>
@@ -24128,7 +24124,7 @@
           </a:ln>
           <a:extLst>
             <a:ext uri="{C572A759-6A51-4108-AA02-DFA0A04FC94B}">
-              <ma14:wrappingTextBoxFlag xmlns:ma14="http://schemas.microsoft.com/office/mac/drawingml/2011/main" xmlns="" val="1"/>
+              <ma14:wrappingTextBoxFlag xmlns="" xmlns:ma14="http://schemas.microsoft.com/office/mac/drawingml/2011/main" val="1"/>
             </a:ext>
           </a:extLst>
         </p:spPr>
@@ -24179,7 +24175,7 @@
           </a:ln>
           <a:extLst>
             <a:ext uri="{C572A759-6A51-4108-AA02-DFA0A04FC94B}">
-              <ma14:wrappingTextBoxFlag xmlns:ma14="http://schemas.microsoft.com/office/mac/drawingml/2011/main" xmlns="" val="1"/>
+              <ma14:wrappingTextBoxFlag xmlns="" xmlns:ma14="http://schemas.microsoft.com/office/mac/drawingml/2011/main" val="1"/>
             </a:ext>
           </a:extLst>
         </p:spPr>
@@ -24230,7 +24226,7 @@
           </a:ln>
           <a:extLst>
             <a:ext uri="{C572A759-6A51-4108-AA02-DFA0A04FC94B}">
-              <ma14:wrappingTextBoxFlag xmlns:ma14="http://schemas.microsoft.com/office/mac/drawingml/2011/main" xmlns="" val="1"/>
+              <ma14:wrappingTextBoxFlag xmlns="" xmlns:ma14="http://schemas.microsoft.com/office/mac/drawingml/2011/main" val="1"/>
             </a:ext>
           </a:extLst>
         </p:spPr>
@@ -24281,7 +24277,7 @@
           </a:ln>
           <a:extLst>
             <a:ext uri="{C572A759-6A51-4108-AA02-DFA0A04FC94B}">
-              <ma14:wrappingTextBoxFlag xmlns:ma14="http://schemas.microsoft.com/office/mac/drawingml/2011/main" xmlns="" val="1"/>
+              <ma14:wrappingTextBoxFlag xmlns="" xmlns:ma14="http://schemas.microsoft.com/office/mac/drawingml/2011/main" val="1"/>
             </a:ext>
           </a:extLst>
         </p:spPr>
@@ -24332,7 +24328,7 @@
           </a:ln>
           <a:extLst>
             <a:ext uri="{C572A759-6A51-4108-AA02-DFA0A04FC94B}">
-              <ma14:wrappingTextBoxFlag xmlns:ma14="http://schemas.microsoft.com/office/mac/drawingml/2011/main" xmlns="" val="1"/>
+              <ma14:wrappingTextBoxFlag xmlns="" xmlns:ma14="http://schemas.microsoft.com/office/mac/drawingml/2011/main" val="1"/>
             </a:ext>
           </a:extLst>
         </p:spPr>
@@ -24383,7 +24379,7 @@
           </a:ln>
           <a:extLst>
             <a:ext uri="{C572A759-6A51-4108-AA02-DFA0A04FC94B}">
-              <ma14:wrappingTextBoxFlag xmlns:ma14="http://schemas.microsoft.com/office/mac/drawingml/2011/main" xmlns="" val="1"/>
+              <ma14:wrappingTextBoxFlag xmlns="" xmlns:ma14="http://schemas.microsoft.com/office/mac/drawingml/2011/main" val="1"/>
             </a:ext>
           </a:extLst>
         </p:spPr>
@@ -24434,7 +24430,7 @@
           </a:ln>
           <a:extLst>
             <a:ext uri="{C572A759-6A51-4108-AA02-DFA0A04FC94B}">
-              <ma14:wrappingTextBoxFlag xmlns:ma14="http://schemas.microsoft.com/office/mac/drawingml/2011/main" xmlns="" val="1"/>
+              <ma14:wrappingTextBoxFlag xmlns="" xmlns:ma14="http://schemas.microsoft.com/office/mac/drawingml/2011/main" val="1"/>
             </a:ext>
           </a:extLst>
         </p:spPr>
@@ -24485,7 +24481,7 @@
           </a:ln>
           <a:extLst>
             <a:ext uri="{C572A759-6A51-4108-AA02-DFA0A04FC94B}">
-              <ma14:wrappingTextBoxFlag xmlns:ma14="http://schemas.microsoft.com/office/mac/drawingml/2011/main" xmlns="" val="1"/>
+              <ma14:wrappingTextBoxFlag xmlns="" xmlns:ma14="http://schemas.microsoft.com/office/mac/drawingml/2011/main" val="1"/>
             </a:ext>
           </a:extLst>
         </p:spPr>
@@ -24536,7 +24532,7 @@
           </a:ln>
           <a:extLst>
             <a:ext uri="{C572A759-6A51-4108-AA02-DFA0A04FC94B}">
-              <ma14:wrappingTextBoxFlag xmlns:ma14="http://schemas.microsoft.com/office/mac/drawingml/2011/main" xmlns="" val="1"/>
+              <ma14:wrappingTextBoxFlag xmlns="" xmlns:ma14="http://schemas.microsoft.com/office/mac/drawingml/2011/main" val="1"/>
             </a:ext>
           </a:extLst>
         </p:spPr>
@@ -24587,7 +24583,7 @@
           </a:ln>
           <a:extLst>
             <a:ext uri="{C572A759-6A51-4108-AA02-DFA0A04FC94B}">
-              <ma14:wrappingTextBoxFlag xmlns:ma14="http://schemas.microsoft.com/office/mac/drawingml/2011/main" xmlns="" val="1"/>
+              <ma14:wrappingTextBoxFlag xmlns="" xmlns:ma14="http://schemas.microsoft.com/office/mac/drawingml/2011/main" val="1"/>
             </a:ext>
           </a:extLst>
         </p:spPr>
@@ -24638,7 +24634,7 @@
           </a:ln>
           <a:extLst>
             <a:ext uri="{C572A759-6A51-4108-AA02-DFA0A04FC94B}">
-              <ma14:wrappingTextBoxFlag xmlns:ma14="http://schemas.microsoft.com/office/mac/drawingml/2011/main" xmlns="" val="1"/>
+              <ma14:wrappingTextBoxFlag xmlns="" xmlns:ma14="http://schemas.microsoft.com/office/mac/drawingml/2011/main" val="1"/>
             </a:ext>
           </a:extLst>
         </p:spPr>
@@ -24689,7 +24685,7 @@
           </a:ln>
           <a:extLst>
             <a:ext uri="{C572A759-6A51-4108-AA02-DFA0A04FC94B}">
-              <ma14:wrappingTextBoxFlag xmlns:ma14="http://schemas.microsoft.com/office/mac/drawingml/2011/main" xmlns="" val="1"/>
+              <ma14:wrappingTextBoxFlag xmlns="" xmlns:ma14="http://schemas.microsoft.com/office/mac/drawingml/2011/main" val="1"/>
             </a:ext>
           </a:extLst>
         </p:spPr>
@@ -25296,7 +25292,7 @@
           </a:ln>
           <a:extLst>
             <a:ext uri="{C572A759-6A51-4108-AA02-DFA0A04FC94B}">
-              <ma14:wrappingTextBoxFlag xmlns:ma14="http://schemas.microsoft.com/office/mac/drawingml/2011/main" xmlns="" val="1"/>
+              <ma14:wrappingTextBoxFlag xmlns="" xmlns:ma14="http://schemas.microsoft.com/office/mac/drawingml/2011/main" val="1"/>
             </a:ext>
           </a:extLst>
         </p:spPr>
@@ -25383,7 +25379,7 @@
           </a:ln>
           <a:extLst>
             <a:ext uri="{C572A759-6A51-4108-AA02-DFA0A04FC94B}">
-              <ma14:wrappingTextBoxFlag xmlns:ma14="http://schemas.microsoft.com/office/mac/drawingml/2011/main" xmlns="" val="1"/>
+              <ma14:wrappingTextBoxFlag xmlns="" xmlns:ma14="http://schemas.microsoft.com/office/mac/drawingml/2011/main" val="1"/>
             </a:ext>
           </a:extLst>
         </p:spPr>
@@ -25447,7 +25443,7 @@
           </a:ln>
           <a:extLst>
             <a:ext uri="{C572A759-6A51-4108-AA02-DFA0A04FC94B}">
-              <ma14:wrappingTextBoxFlag xmlns:ma14="http://schemas.microsoft.com/office/mac/drawingml/2011/main" xmlns="" val="1"/>
+              <ma14:wrappingTextBoxFlag xmlns="" xmlns:ma14="http://schemas.microsoft.com/office/mac/drawingml/2011/main" val="1"/>
             </a:ext>
           </a:extLst>
         </p:spPr>
@@ -25498,7 +25494,7 @@
           </a:ln>
           <a:extLst>
             <a:ext uri="{C572A759-6A51-4108-AA02-DFA0A04FC94B}">
-              <ma14:wrappingTextBoxFlag xmlns:ma14="http://schemas.microsoft.com/office/mac/drawingml/2011/main" xmlns="" val="1"/>
+              <ma14:wrappingTextBoxFlag xmlns="" xmlns:ma14="http://schemas.microsoft.com/office/mac/drawingml/2011/main" val="1"/>
             </a:ext>
           </a:extLst>
         </p:spPr>
@@ -25598,7 +25594,7 @@
           </a:ln>
           <a:extLst>
             <a:ext uri="{C572A759-6A51-4108-AA02-DFA0A04FC94B}">
-              <ma14:wrappingTextBoxFlag xmlns:ma14="http://schemas.microsoft.com/office/mac/drawingml/2011/main" xmlns="" val="1"/>
+              <ma14:wrappingTextBoxFlag xmlns="" xmlns:ma14="http://schemas.microsoft.com/office/mac/drawingml/2011/main" val="1"/>
             </a:ext>
           </a:extLst>
         </p:spPr>
@@ -25649,7 +25645,7 @@
           </a:ln>
           <a:extLst>
             <a:ext uri="{C572A759-6A51-4108-AA02-DFA0A04FC94B}">
-              <ma14:wrappingTextBoxFlag xmlns:ma14="http://schemas.microsoft.com/office/mac/drawingml/2011/main" xmlns="" val="1"/>
+              <ma14:wrappingTextBoxFlag xmlns="" xmlns:ma14="http://schemas.microsoft.com/office/mac/drawingml/2011/main" val="1"/>
             </a:ext>
           </a:extLst>
         </p:spPr>
@@ -25700,7 +25696,7 @@
           </a:ln>
           <a:extLst>
             <a:ext uri="{C572A759-6A51-4108-AA02-DFA0A04FC94B}">
-              <ma14:wrappingTextBoxFlag xmlns:ma14="http://schemas.microsoft.com/office/mac/drawingml/2011/main" xmlns="" val="1"/>
+              <ma14:wrappingTextBoxFlag xmlns="" xmlns:ma14="http://schemas.microsoft.com/office/mac/drawingml/2011/main" val="1"/>
             </a:ext>
           </a:extLst>
         </p:spPr>
@@ -25751,7 +25747,7 @@
           </a:ln>
           <a:extLst>
             <a:ext uri="{C572A759-6A51-4108-AA02-DFA0A04FC94B}">
-              <ma14:wrappingTextBoxFlag xmlns:ma14="http://schemas.microsoft.com/office/mac/drawingml/2011/main" xmlns="" val="1"/>
+              <ma14:wrappingTextBoxFlag xmlns="" xmlns:ma14="http://schemas.microsoft.com/office/mac/drawingml/2011/main" val="1"/>
             </a:ext>
           </a:extLst>
         </p:spPr>
@@ -25838,7 +25834,7 @@
           </a:ln>
           <a:extLst>
             <a:ext uri="{C572A759-6A51-4108-AA02-DFA0A04FC94B}">
-              <ma14:wrappingTextBoxFlag xmlns:ma14="http://schemas.microsoft.com/office/mac/drawingml/2011/main" xmlns="" val="1"/>
+              <ma14:wrappingTextBoxFlag xmlns="" xmlns:ma14="http://schemas.microsoft.com/office/mac/drawingml/2011/main" val="1"/>
             </a:ext>
           </a:extLst>
         </p:spPr>
@@ -25889,7 +25885,7 @@
           </a:ln>
           <a:extLst>
             <a:ext uri="{C572A759-6A51-4108-AA02-DFA0A04FC94B}">
-              <ma14:wrappingTextBoxFlag xmlns:ma14="http://schemas.microsoft.com/office/mac/drawingml/2011/main" xmlns="" val="1"/>
+              <ma14:wrappingTextBoxFlag xmlns="" xmlns:ma14="http://schemas.microsoft.com/office/mac/drawingml/2011/main" val="1"/>
             </a:ext>
           </a:extLst>
         </p:spPr>
@@ -25940,7 +25936,7 @@
           </a:ln>
           <a:extLst>
             <a:ext uri="{C572A759-6A51-4108-AA02-DFA0A04FC94B}">
-              <ma14:wrappingTextBoxFlag xmlns:ma14="http://schemas.microsoft.com/office/mac/drawingml/2011/main" xmlns="" val="1"/>
+              <ma14:wrappingTextBoxFlag xmlns="" xmlns:ma14="http://schemas.microsoft.com/office/mac/drawingml/2011/main" val="1"/>
             </a:ext>
           </a:extLst>
         </p:spPr>
@@ -25991,7 +25987,7 @@
           </a:ln>
           <a:extLst>
             <a:ext uri="{C572A759-6A51-4108-AA02-DFA0A04FC94B}">
-              <ma14:wrappingTextBoxFlag xmlns:ma14="http://schemas.microsoft.com/office/mac/drawingml/2011/main" xmlns="" val="1"/>
+              <ma14:wrappingTextBoxFlag xmlns="" xmlns:ma14="http://schemas.microsoft.com/office/mac/drawingml/2011/main" val="1"/>
             </a:ext>
           </a:extLst>
         </p:spPr>
@@ -26042,7 +26038,7 @@
           </a:ln>
           <a:extLst>
             <a:ext uri="{C572A759-6A51-4108-AA02-DFA0A04FC94B}">
-              <ma14:wrappingTextBoxFlag xmlns:ma14="http://schemas.microsoft.com/office/mac/drawingml/2011/main" xmlns="" val="1"/>
+              <ma14:wrappingTextBoxFlag xmlns="" xmlns:ma14="http://schemas.microsoft.com/office/mac/drawingml/2011/main" val="1"/>
             </a:ext>
           </a:extLst>
         </p:spPr>
@@ -26093,7 +26089,7 @@
           </a:ln>
           <a:extLst>
             <a:ext uri="{C572A759-6A51-4108-AA02-DFA0A04FC94B}">
-              <ma14:wrappingTextBoxFlag xmlns:ma14="http://schemas.microsoft.com/office/mac/drawingml/2011/main" xmlns="" val="1"/>
+              <ma14:wrappingTextBoxFlag xmlns="" xmlns:ma14="http://schemas.microsoft.com/office/mac/drawingml/2011/main" val="1"/>
             </a:ext>
           </a:extLst>
         </p:spPr>
@@ -26144,7 +26140,7 @@
           </a:ln>
           <a:extLst>
             <a:ext uri="{C572A759-6A51-4108-AA02-DFA0A04FC94B}">
-              <ma14:wrappingTextBoxFlag xmlns:ma14="http://schemas.microsoft.com/office/mac/drawingml/2011/main" xmlns="" val="1"/>
+              <ma14:wrappingTextBoxFlag xmlns="" xmlns:ma14="http://schemas.microsoft.com/office/mac/drawingml/2011/main" val="1"/>
             </a:ext>
           </a:extLst>
         </p:spPr>
@@ -26195,7 +26191,7 @@
           </a:ln>
           <a:extLst>
             <a:ext uri="{C572A759-6A51-4108-AA02-DFA0A04FC94B}">
-              <ma14:wrappingTextBoxFlag xmlns:ma14="http://schemas.microsoft.com/office/mac/drawingml/2011/main" xmlns="" val="1"/>
+              <ma14:wrappingTextBoxFlag xmlns="" xmlns:ma14="http://schemas.microsoft.com/office/mac/drawingml/2011/main" val="1"/>
             </a:ext>
           </a:extLst>
         </p:spPr>
@@ -26246,7 +26242,7 @@
           </a:ln>
           <a:extLst>
             <a:ext uri="{C572A759-6A51-4108-AA02-DFA0A04FC94B}">
-              <ma14:wrappingTextBoxFlag xmlns:ma14="http://schemas.microsoft.com/office/mac/drawingml/2011/main" xmlns="" val="1"/>
+              <ma14:wrappingTextBoxFlag xmlns="" xmlns:ma14="http://schemas.microsoft.com/office/mac/drawingml/2011/main" val="1"/>
             </a:ext>
           </a:extLst>
         </p:spPr>
@@ -26297,7 +26293,7 @@
           </a:ln>
           <a:extLst>
             <a:ext uri="{C572A759-6A51-4108-AA02-DFA0A04FC94B}">
-              <ma14:wrappingTextBoxFlag xmlns:ma14="http://schemas.microsoft.com/office/mac/drawingml/2011/main" xmlns="" val="1"/>
+              <ma14:wrappingTextBoxFlag xmlns="" xmlns:ma14="http://schemas.microsoft.com/office/mac/drawingml/2011/main" val="1"/>
             </a:ext>
           </a:extLst>
         </p:spPr>
@@ -26348,7 +26344,7 @@
           </a:ln>
           <a:extLst>
             <a:ext uri="{C572A759-6A51-4108-AA02-DFA0A04FC94B}">
-              <ma14:wrappingTextBoxFlag xmlns:ma14="http://schemas.microsoft.com/office/mac/drawingml/2011/main" xmlns="" val="1"/>
+              <ma14:wrappingTextBoxFlag xmlns="" xmlns:ma14="http://schemas.microsoft.com/office/mac/drawingml/2011/main" val="1"/>
             </a:ext>
           </a:extLst>
         </p:spPr>
@@ -26399,7 +26395,7 @@
           </a:ln>
           <a:extLst>
             <a:ext uri="{C572A759-6A51-4108-AA02-DFA0A04FC94B}">
-              <ma14:wrappingTextBoxFlag xmlns:ma14="http://schemas.microsoft.com/office/mac/drawingml/2011/main" xmlns="" val="1"/>
+              <ma14:wrappingTextBoxFlag xmlns="" xmlns:ma14="http://schemas.microsoft.com/office/mac/drawingml/2011/main" val="1"/>
             </a:ext>
           </a:extLst>
         </p:spPr>
@@ -26450,7 +26446,7 @@
           </a:ln>
           <a:extLst>
             <a:ext uri="{C572A759-6A51-4108-AA02-DFA0A04FC94B}">
-              <ma14:wrappingTextBoxFlag xmlns:ma14="http://schemas.microsoft.com/office/mac/drawingml/2011/main" xmlns="" val="1"/>
+              <ma14:wrappingTextBoxFlag xmlns="" xmlns:ma14="http://schemas.microsoft.com/office/mac/drawingml/2011/main" val="1"/>
             </a:ext>
           </a:extLst>
         </p:spPr>
@@ -26501,7 +26497,7 @@
           </a:ln>
           <a:extLst>
             <a:ext uri="{C572A759-6A51-4108-AA02-DFA0A04FC94B}">
-              <ma14:wrappingTextBoxFlag xmlns:ma14="http://schemas.microsoft.com/office/mac/drawingml/2011/main" xmlns="" val="1"/>
+              <ma14:wrappingTextBoxFlag xmlns="" xmlns:ma14="http://schemas.microsoft.com/office/mac/drawingml/2011/main" val="1"/>
             </a:ext>
           </a:extLst>
         </p:spPr>
@@ -26552,7 +26548,7 @@
           </a:ln>
           <a:extLst>
             <a:ext uri="{C572A759-6A51-4108-AA02-DFA0A04FC94B}">
-              <ma14:wrappingTextBoxFlag xmlns:ma14="http://schemas.microsoft.com/office/mac/drawingml/2011/main" xmlns="" val="1"/>
+              <ma14:wrappingTextBoxFlag xmlns="" xmlns:ma14="http://schemas.microsoft.com/office/mac/drawingml/2011/main" val="1"/>
             </a:ext>
           </a:extLst>
         </p:spPr>
@@ -26603,7 +26599,7 @@
           </a:ln>
           <a:extLst>
             <a:ext uri="{C572A759-6A51-4108-AA02-DFA0A04FC94B}">
-              <ma14:wrappingTextBoxFlag xmlns:ma14="http://schemas.microsoft.com/office/mac/drawingml/2011/main" xmlns="" val="1"/>
+              <ma14:wrappingTextBoxFlag xmlns="" xmlns:ma14="http://schemas.microsoft.com/office/mac/drawingml/2011/main" val="1"/>
             </a:ext>
           </a:extLst>
         </p:spPr>
@@ -26654,7 +26650,7 @@
           </a:ln>
           <a:extLst>
             <a:ext uri="{C572A759-6A51-4108-AA02-DFA0A04FC94B}">
-              <ma14:wrappingTextBoxFlag xmlns:ma14="http://schemas.microsoft.com/office/mac/drawingml/2011/main" xmlns="" val="1"/>
+              <ma14:wrappingTextBoxFlag xmlns="" xmlns:ma14="http://schemas.microsoft.com/office/mac/drawingml/2011/main" val="1"/>
             </a:ext>
           </a:extLst>
         </p:spPr>
@@ -26754,7 +26750,7 @@
           </a:ln>
           <a:extLst>
             <a:ext uri="{C572A759-6A51-4108-AA02-DFA0A04FC94B}">
-              <ma14:wrappingTextBoxFlag xmlns:ma14="http://schemas.microsoft.com/office/mac/drawingml/2011/main" xmlns="" val="1"/>
+              <ma14:wrappingTextBoxFlag xmlns="" xmlns:ma14="http://schemas.microsoft.com/office/mac/drawingml/2011/main" val="1"/>
             </a:ext>
           </a:extLst>
         </p:spPr>
@@ -26805,7 +26801,7 @@
           </a:ln>
           <a:extLst>
             <a:ext uri="{C572A759-6A51-4108-AA02-DFA0A04FC94B}">
-              <ma14:wrappingTextBoxFlag xmlns:ma14="http://schemas.microsoft.com/office/mac/drawingml/2011/main" xmlns="" val="1"/>
+              <ma14:wrappingTextBoxFlag xmlns="" xmlns:ma14="http://schemas.microsoft.com/office/mac/drawingml/2011/main" val="1"/>
             </a:ext>
           </a:extLst>
         </p:spPr>
@@ -26856,7 +26852,7 @@
           </a:ln>
           <a:extLst>
             <a:ext uri="{C572A759-6A51-4108-AA02-DFA0A04FC94B}">
-              <ma14:wrappingTextBoxFlag xmlns:ma14="http://schemas.microsoft.com/office/mac/drawingml/2011/main" xmlns="" val="1"/>
+              <ma14:wrappingTextBoxFlag xmlns="" xmlns:ma14="http://schemas.microsoft.com/office/mac/drawingml/2011/main" val="1"/>
             </a:ext>
           </a:extLst>
         </p:spPr>
@@ -26907,7 +26903,7 @@
           </a:ln>
           <a:extLst>
             <a:ext uri="{C572A759-6A51-4108-AA02-DFA0A04FC94B}">
-              <ma14:wrappingTextBoxFlag xmlns:ma14="http://schemas.microsoft.com/office/mac/drawingml/2011/main" xmlns="" val="1"/>
+              <ma14:wrappingTextBoxFlag xmlns="" xmlns:ma14="http://schemas.microsoft.com/office/mac/drawingml/2011/main" val="1"/>
             </a:ext>
           </a:extLst>
         </p:spPr>
@@ -26958,7 +26954,7 @@
           </a:ln>
           <a:extLst>
             <a:ext uri="{C572A759-6A51-4108-AA02-DFA0A04FC94B}">
-              <ma14:wrappingTextBoxFlag xmlns:ma14="http://schemas.microsoft.com/office/mac/drawingml/2011/main" xmlns="" val="1"/>
+              <ma14:wrappingTextBoxFlag xmlns="" xmlns:ma14="http://schemas.microsoft.com/office/mac/drawingml/2011/main" val="1"/>
             </a:ext>
           </a:extLst>
         </p:spPr>
@@ -27582,7 +27578,7 @@
           </a:ln>
           <a:extLst>
             <a:ext uri="{C572A759-6A51-4108-AA02-DFA0A04FC94B}">
-              <ma14:wrappingTextBoxFlag xmlns:ma14="http://schemas.microsoft.com/office/mac/drawingml/2011/main" xmlns="" val="1"/>
+              <ma14:wrappingTextBoxFlag xmlns="" xmlns:ma14="http://schemas.microsoft.com/office/mac/drawingml/2011/main" val="1"/>
             </a:ext>
           </a:extLst>
         </p:spPr>
@@ -27637,7 +27633,7 @@
           </a:ln>
           <a:extLst>
             <a:ext uri="{C572A759-6A51-4108-AA02-DFA0A04FC94B}">
-              <ma14:wrappingTextBoxFlag xmlns:ma14="http://schemas.microsoft.com/office/mac/drawingml/2011/main" xmlns="" val="1"/>
+              <ma14:wrappingTextBoxFlag xmlns="" xmlns:ma14="http://schemas.microsoft.com/office/mac/drawingml/2011/main" val="1"/>
             </a:ext>
           </a:extLst>
         </p:spPr>
@@ -27692,7 +27688,7 @@
           </a:ln>
           <a:extLst>
             <a:ext uri="{C572A759-6A51-4108-AA02-DFA0A04FC94B}">
-              <ma14:wrappingTextBoxFlag xmlns:ma14="http://schemas.microsoft.com/office/mac/drawingml/2011/main" xmlns="" val="1"/>
+              <ma14:wrappingTextBoxFlag xmlns="" xmlns:ma14="http://schemas.microsoft.com/office/mac/drawingml/2011/main" val="1"/>
             </a:ext>
           </a:extLst>
         </p:spPr>
@@ -27747,7 +27743,7 @@
           </a:ln>
           <a:extLst>
             <a:ext uri="{C572A759-6A51-4108-AA02-DFA0A04FC94B}">
-              <ma14:wrappingTextBoxFlag xmlns:ma14="http://schemas.microsoft.com/office/mac/drawingml/2011/main" xmlns="" val="1"/>
+              <ma14:wrappingTextBoxFlag xmlns="" xmlns:ma14="http://schemas.microsoft.com/office/mac/drawingml/2011/main" val="1"/>
             </a:ext>
           </a:extLst>
         </p:spPr>
@@ -27802,7 +27798,7 @@
           </a:ln>
           <a:extLst>
             <a:ext uri="{C572A759-6A51-4108-AA02-DFA0A04FC94B}">
-              <ma14:wrappingTextBoxFlag xmlns:ma14="http://schemas.microsoft.com/office/mac/drawingml/2011/main" xmlns="" val="1"/>
+              <ma14:wrappingTextBoxFlag xmlns="" xmlns:ma14="http://schemas.microsoft.com/office/mac/drawingml/2011/main" val="1"/>
             </a:ext>
           </a:extLst>
         </p:spPr>
@@ -27857,7 +27853,7 @@
           </a:ln>
           <a:extLst>
             <a:ext uri="{C572A759-6A51-4108-AA02-DFA0A04FC94B}">
-              <ma14:wrappingTextBoxFlag xmlns:ma14="http://schemas.microsoft.com/office/mac/drawingml/2011/main" xmlns="" val="1"/>
+              <ma14:wrappingTextBoxFlag xmlns="" xmlns:ma14="http://schemas.microsoft.com/office/mac/drawingml/2011/main" val="1"/>
             </a:ext>
           </a:extLst>
         </p:spPr>
@@ -27906,7 +27902,7 @@
           </a:ln>
           <a:extLst>
             <a:ext uri="{C572A759-6A51-4108-AA02-DFA0A04FC94B}">
-              <ma14:wrappingTextBoxFlag xmlns:ma14="http://schemas.microsoft.com/office/mac/drawingml/2011/main" xmlns="" val="1"/>
+              <ma14:wrappingTextBoxFlag xmlns="" xmlns:ma14="http://schemas.microsoft.com/office/mac/drawingml/2011/main" val="1"/>
             </a:ext>
           </a:extLst>
         </p:spPr>
@@ -27953,7 +27949,7 @@
           </a:ln>
           <a:extLst>
             <a:ext uri="{C572A759-6A51-4108-AA02-DFA0A04FC94B}">
-              <ma14:wrappingTextBoxFlag xmlns:ma14="http://schemas.microsoft.com/office/mac/drawingml/2011/main" xmlns="" val="1"/>
+              <ma14:wrappingTextBoxFlag xmlns="" xmlns:ma14="http://schemas.microsoft.com/office/mac/drawingml/2011/main" val="1"/>
             </a:ext>
           </a:extLst>
         </p:spPr>
@@ -28222,7 +28218,7 @@
           </a:ln>
           <a:extLst>
             <a:ext uri="{C572A759-6A51-4108-AA02-DFA0A04FC94B}">
-              <ma14:wrappingTextBoxFlag xmlns:ma14="http://schemas.microsoft.com/office/mac/drawingml/2011/main" xmlns="" val="1"/>
+              <ma14:wrappingTextBoxFlag xmlns="" xmlns:ma14="http://schemas.microsoft.com/office/mac/drawingml/2011/main" val="1"/>
             </a:ext>
           </a:extLst>
         </p:spPr>
@@ -28277,7 +28273,7 @@
           </a:ln>
           <a:extLst>
             <a:ext uri="{C572A759-6A51-4108-AA02-DFA0A04FC94B}">
-              <ma14:wrappingTextBoxFlag xmlns:ma14="http://schemas.microsoft.com/office/mac/drawingml/2011/main" xmlns="" val="1"/>
+              <ma14:wrappingTextBoxFlag xmlns="" xmlns:ma14="http://schemas.microsoft.com/office/mac/drawingml/2011/main" val="1"/>
             </a:ext>
           </a:extLst>
         </p:spPr>
@@ -28332,7 +28328,7 @@
           </a:ln>
           <a:extLst>
             <a:ext uri="{C572A759-6A51-4108-AA02-DFA0A04FC94B}">
-              <ma14:wrappingTextBoxFlag xmlns:ma14="http://schemas.microsoft.com/office/mac/drawingml/2011/main" xmlns="" val="1"/>
+              <ma14:wrappingTextBoxFlag xmlns="" xmlns:ma14="http://schemas.microsoft.com/office/mac/drawingml/2011/main" val="1"/>
             </a:ext>
           </a:extLst>
         </p:spPr>
@@ -28387,7 +28383,7 @@
           </a:ln>
           <a:extLst>
             <a:ext uri="{C572A759-6A51-4108-AA02-DFA0A04FC94B}">
-              <ma14:wrappingTextBoxFlag xmlns:ma14="http://schemas.microsoft.com/office/mac/drawingml/2011/main" xmlns="" val="1"/>
+              <ma14:wrappingTextBoxFlag xmlns="" xmlns:ma14="http://schemas.microsoft.com/office/mac/drawingml/2011/main" val="1"/>
             </a:ext>
           </a:extLst>
         </p:spPr>
@@ -28442,7 +28438,7 @@
           </a:ln>
           <a:extLst>
             <a:ext uri="{C572A759-6A51-4108-AA02-DFA0A04FC94B}">
-              <ma14:wrappingTextBoxFlag xmlns:ma14="http://schemas.microsoft.com/office/mac/drawingml/2011/main" xmlns="" val="1"/>
+              <ma14:wrappingTextBoxFlag xmlns="" xmlns:ma14="http://schemas.microsoft.com/office/mac/drawingml/2011/main" val="1"/>
             </a:ext>
           </a:extLst>
         </p:spPr>
@@ -28497,7 +28493,7 @@
           </a:ln>
           <a:extLst>
             <a:ext uri="{C572A759-6A51-4108-AA02-DFA0A04FC94B}">
-              <ma14:wrappingTextBoxFlag xmlns:ma14="http://schemas.microsoft.com/office/mac/drawingml/2011/main" xmlns="" val="1"/>
+              <ma14:wrappingTextBoxFlag xmlns="" xmlns:ma14="http://schemas.microsoft.com/office/mac/drawingml/2011/main" val="1"/>
             </a:ext>
           </a:extLst>
         </p:spPr>
@@ -28552,7 +28548,7 @@
           </a:ln>
           <a:extLst>
             <a:ext uri="{C572A759-6A51-4108-AA02-DFA0A04FC94B}">
-              <ma14:wrappingTextBoxFlag xmlns:ma14="http://schemas.microsoft.com/office/mac/drawingml/2011/main" xmlns="" val="1"/>
+              <ma14:wrappingTextBoxFlag xmlns="" xmlns:ma14="http://schemas.microsoft.com/office/mac/drawingml/2011/main" val="1"/>
             </a:ext>
           </a:extLst>
         </p:spPr>
@@ -28607,7 +28603,7 @@
           </a:ln>
           <a:extLst>
             <a:ext uri="{C572A759-6A51-4108-AA02-DFA0A04FC94B}">
-              <ma14:wrappingTextBoxFlag xmlns:ma14="http://schemas.microsoft.com/office/mac/drawingml/2011/main" xmlns="" val="1"/>
+              <ma14:wrappingTextBoxFlag xmlns="" xmlns:ma14="http://schemas.microsoft.com/office/mac/drawingml/2011/main" val="1"/>
             </a:ext>
           </a:extLst>
         </p:spPr>
@@ -28657,7 +28653,7 @@
           </a:ln>
           <a:extLst>
             <a:ext uri="{C572A759-6A51-4108-AA02-DFA0A04FC94B}">
-              <ma14:wrappingTextBoxFlag xmlns:ma14="http://schemas.microsoft.com/office/mac/drawingml/2011/main" xmlns="" val="1"/>
+              <ma14:wrappingTextBoxFlag xmlns="" xmlns:ma14="http://schemas.microsoft.com/office/mac/drawingml/2011/main" val="1"/>
             </a:ext>
           </a:extLst>
         </p:spPr>
@@ -28705,7 +28701,7 @@
           </a:ln>
           <a:extLst>
             <a:ext uri="{C572A759-6A51-4108-AA02-DFA0A04FC94B}">
-              <ma14:wrappingTextBoxFlag xmlns:ma14="http://schemas.microsoft.com/office/mac/drawingml/2011/main" xmlns="" val="1"/>
+              <ma14:wrappingTextBoxFlag xmlns="" xmlns:ma14="http://schemas.microsoft.com/office/mac/drawingml/2011/main" val="1"/>
             </a:ext>
           </a:extLst>
         </p:spPr>
@@ -28974,7 +28970,7 @@
           </a:ln>
           <a:extLst>
             <a:ext uri="{C572A759-6A51-4108-AA02-DFA0A04FC94B}">
-              <ma14:wrappingTextBoxFlag xmlns:ma14="http://schemas.microsoft.com/office/mac/drawingml/2011/main" xmlns="" val="1"/>
+              <ma14:wrappingTextBoxFlag xmlns="" xmlns:ma14="http://schemas.microsoft.com/office/mac/drawingml/2011/main" val="1"/>
             </a:ext>
           </a:extLst>
         </p:spPr>
@@ -29646,7 +29642,7 @@
           </a:ln>
           <a:extLst>
             <a:ext uri="{C572A759-6A51-4108-AA02-DFA0A04FC94B}">
-              <ma14:wrappingTextBoxFlag xmlns:ma14="http://schemas.microsoft.com/office/mac/drawingml/2011/main" xmlns="" val="1"/>
+              <ma14:wrappingTextBoxFlag xmlns="" xmlns:ma14="http://schemas.microsoft.com/office/mac/drawingml/2011/main" val="1"/>
             </a:ext>
           </a:extLst>
         </p:spPr>
@@ -29701,7 +29697,7 @@
           </a:ln>
           <a:extLst>
             <a:ext uri="{C572A759-6A51-4108-AA02-DFA0A04FC94B}">
-              <ma14:wrappingTextBoxFlag xmlns:ma14="http://schemas.microsoft.com/office/mac/drawingml/2011/main" xmlns="" val="1"/>
+              <ma14:wrappingTextBoxFlag xmlns="" xmlns:ma14="http://schemas.microsoft.com/office/mac/drawingml/2011/main" val="1"/>
             </a:ext>
           </a:extLst>
         </p:spPr>
@@ -31136,7 +31132,7 @@
           </a:ln>
           <a:extLst>
             <a:ext uri="{C572A759-6A51-4108-AA02-DFA0A04FC94B}">
-              <ma14:wrappingTextBoxFlag xmlns:ma14="http://schemas.microsoft.com/office/mac/drawingml/2011/main" xmlns="" val="1"/>
+              <ma14:wrappingTextBoxFlag xmlns="" xmlns:ma14="http://schemas.microsoft.com/office/mac/drawingml/2011/main" val="1"/>
             </a:ext>
           </a:extLst>
         </p:spPr>
@@ -31183,7 +31179,7 @@
           </a:ln>
           <a:extLst>
             <a:ext uri="{C572A759-6A51-4108-AA02-DFA0A04FC94B}">
-              <ma14:wrappingTextBoxFlag xmlns:ma14="http://schemas.microsoft.com/office/mac/drawingml/2011/main" xmlns="" val="1"/>
+              <ma14:wrappingTextBoxFlag xmlns="" xmlns:ma14="http://schemas.microsoft.com/office/mac/drawingml/2011/main" val="1"/>
             </a:ext>
           </a:extLst>
         </p:spPr>
@@ -31304,7 +31300,7 @@
           </a:ln>
           <a:extLst>
             <a:ext uri="{C572A759-6A51-4108-AA02-DFA0A04FC94B}">
-              <ma14:wrappingTextBoxFlag xmlns:ma14="http://schemas.microsoft.com/office/mac/drawingml/2011/main" xmlns="" val="1"/>
+              <ma14:wrappingTextBoxFlag xmlns="" xmlns:ma14="http://schemas.microsoft.com/office/mac/drawingml/2011/main" val="1"/>
             </a:ext>
           </a:extLst>
         </p:spPr>
@@ -31981,7 +31977,7 @@
           </a:ln>
           <a:extLst>
             <a:ext uri="{C572A759-6A51-4108-AA02-DFA0A04FC94B}">
-              <ma14:wrappingTextBoxFlag xmlns:ma14="http://schemas.microsoft.com/office/mac/drawingml/2011/main" xmlns="" val="1"/>
+              <ma14:wrappingTextBoxFlag xmlns="" xmlns:ma14="http://schemas.microsoft.com/office/mac/drawingml/2011/main" val="1"/>
             </a:ext>
           </a:extLst>
         </p:spPr>
@@ -32036,7 +32032,7 @@
           </a:ln>
           <a:extLst>
             <a:ext uri="{C572A759-6A51-4108-AA02-DFA0A04FC94B}">
-              <ma14:wrappingTextBoxFlag xmlns:ma14="http://schemas.microsoft.com/office/mac/drawingml/2011/main" xmlns="" val="1"/>
+              <ma14:wrappingTextBoxFlag xmlns="" xmlns:ma14="http://schemas.microsoft.com/office/mac/drawingml/2011/main" val="1"/>
             </a:ext>
           </a:extLst>
         </p:spPr>
@@ -33567,7 +33563,7 @@
           </a:ln>
           <a:extLst>
             <a:ext uri="{C572A759-6A51-4108-AA02-DFA0A04FC94B}">
-              <ma14:wrappingTextBoxFlag xmlns:ma14="http://schemas.microsoft.com/office/mac/drawingml/2011/main" xmlns="" val="1"/>
+              <ma14:wrappingTextBoxFlag xmlns="" xmlns:ma14="http://schemas.microsoft.com/office/mac/drawingml/2011/main" val="1"/>
             </a:ext>
           </a:extLst>
         </p:spPr>
@@ -33614,7 +33610,7 @@
           </a:ln>
           <a:extLst>
             <a:ext uri="{C572A759-6A51-4108-AA02-DFA0A04FC94B}">
-              <ma14:wrappingTextBoxFlag xmlns:ma14="http://schemas.microsoft.com/office/mac/drawingml/2011/main" xmlns="" val="1"/>
+              <ma14:wrappingTextBoxFlag xmlns="" xmlns:ma14="http://schemas.microsoft.com/office/mac/drawingml/2011/main" val="1"/>
             </a:ext>
           </a:extLst>
         </p:spPr>
@@ -33661,7 +33657,7 @@
           </a:ln>
           <a:extLst>
             <a:ext uri="{C572A759-6A51-4108-AA02-DFA0A04FC94B}">
-              <ma14:wrappingTextBoxFlag xmlns:ma14="http://schemas.microsoft.com/office/mac/drawingml/2011/main" xmlns="" val="1"/>
+              <ma14:wrappingTextBoxFlag xmlns="" xmlns:ma14="http://schemas.microsoft.com/office/mac/drawingml/2011/main" val="1"/>
             </a:ext>
           </a:extLst>
         </p:spPr>
@@ -33712,7 +33708,7 @@
           </a:ln>
           <a:extLst>
             <a:ext uri="{C572A759-6A51-4108-AA02-DFA0A04FC94B}">
-              <ma14:wrappingTextBoxFlag xmlns:ma14="http://schemas.microsoft.com/office/mac/drawingml/2011/main" xmlns="" val="1"/>
+              <ma14:wrappingTextBoxFlag xmlns="" xmlns:ma14="http://schemas.microsoft.com/office/mac/drawingml/2011/main" val="1"/>
             </a:ext>
           </a:extLst>
         </p:spPr>
@@ -33763,7 +33759,7 @@
           </a:ln>
           <a:extLst>
             <a:ext uri="{C572A759-6A51-4108-AA02-DFA0A04FC94B}">
-              <ma14:wrappingTextBoxFlag xmlns:ma14="http://schemas.microsoft.com/office/mac/drawingml/2011/main" xmlns="" val="1"/>
+              <ma14:wrappingTextBoxFlag xmlns="" xmlns:ma14="http://schemas.microsoft.com/office/mac/drawingml/2011/main" val="1"/>
             </a:ext>
           </a:extLst>
         </p:spPr>
@@ -33814,7 +33810,7 @@
           </a:ln>
           <a:extLst>
             <a:ext uri="{C572A759-6A51-4108-AA02-DFA0A04FC94B}">
-              <ma14:wrappingTextBoxFlag xmlns:ma14="http://schemas.microsoft.com/office/mac/drawingml/2011/main" xmlns="" val="1"/>
+              <ma14:wrappingTextBoxFlag xmlns="" xmlns:ma14="http://schemas.microsoft.com/office/mac/drawingml/2011/main" val="1"/>
             </a:ext>
           </a:extLst>
         </p:spPr>
@@ -33865,7 +33861,7 @@
           </a:ln>
           <a:extLst>
             <a:ext uri="{C572A759-6A51-4108-AA02-DFA0A04FC94B}">
-              <ma14:wrappingTextBoxFlag xmlns:ma14="http://schemas.microsoft.com/office/mac/drawingml/2011/main" xmlns="" val="1"/>
+              <ma14:wrappingTextBoxFlag xmlns="" xmlns:ma14="http://schemas.microsoft.com/office/mac/drawingml/2011/main" val="1"/>
             </a:ext>
           </a:extLst>
         </p:spPr>
@@ -33916,7 +33912,7 @@
           </a:ln>
           <a:extLst>
             <a:ext uri="{C572A759-6A51-4108-AA02-DFA0A04FC94B}">
-              <ma14:wrappingTextBoxFlag xmlns:ma14="http://schemas.microsoft.com/office/mac/drawingml/2011/main" xmlns="" val="1"/>
+              <ma14:wrappingTextBoxFlag xmlns="" xmlns:ma14="http://schemas.microsoft.com/office/mac/drawingml/2011/main" val="1"/>
             </a:ext>
           </a:extLst>
         </p:spPr>
@@ -33967,7 +33963,7 @@
           </a:ln>
           <a:extLst>
             <a:ext uri="{C572A759-6A51-4108-AA02-DFA0A04FC94B}">
-              <ma14:wrappingTextBoxFlag xmlns:ma14="http://schemas.microsoft.com/office/mac/drawingml/2011/main" xmlns="" val="1"/>
+              <ma14:wrappingTextBoxFlag xmlns="" xmlns:ma14="http://schemas.microsoft.com/office/mac/drawingml/2011/main" val="1"/>
             </a:ext>
           </a:extLst>
         </p:spPr>
@@ -34018,7 +34014,7 @@
           </a:ln>
           <a:extLst>
             <a:ext uri="{C572A759-6A51-4108-AA02-DFA0A04FC94B}">
-              <ma14:wrappingTextBoxFlag xmlns:ma14="http://schemas.microsoft.com/office/mac/drawingml/2011/main" xmlns="" val="1"/>
+              <ma14:wrappingTextBoxFlag xmlns="" xmlns:ma14="http://schemas.microsoft.com/office/mac/drawingml/2011/main" val="1"/>
             </a:ext>
           </a:extLst>
         </p:spPr>
@@ -34069,7 +34065,7 @@
           </a:ln>
           <a:extLst>
             <a:ext uri="{C572A759-6A51-4108-AA02-DFA0A04FC94B}">
-              <ma14:wrappingTextBoxFlag xmlns:ma14="http://schemas.microsoft.com/office/mac/drawingml/2011/main" xmlns="" val="1"/>
+              <ma14:wrappingTextBoxFlag xmlns="" xmlns:ma14="http://schemas.microsoft.com/office/mac/drawingml/2011/main" val="1"/>
             </a:ext>
           </a:extLst>
         </p:spPr>
@@ -34120,7 +34116,7 @@
           </a:ln>
           <a:extLst>
             <a:ext uri="{C572A759-6A51-4108-AA02-DFA0A04FC94B}">
-              <ma14:wrappingTextBoxFlag xmlns:ma14="http://schemas.microsoft.com/office/mac/drawingml/2011/main" xmlns="" val="1"/>
+              <ma14:wrappingTextBoxFlag xmlns="" xmlns:ma14="http://schemas.microsoft.com/office/mac/drawingml/2011/main" val="1"/>
             </a:ext>
           </a:extLst>
         </p:spPr>
@@ -34171,7 +34167,7 @@
           </a:ln>
           <a:extLst>
             <a:ext uri="{C572A759-6A51-4108-AA02-DFA0A04FC94B}">
-              <ma14:wrappingTextBoxFlag xmlns:ma14="http://schemas.microsoft.com/office/mac/drawingml/2011/main" xmlns="" val="1"/>
+              <ma14:wrappingTextBoxFlag xmlns="" xmlns:ma14="http://schemas.microsoft.com/office/mac/drawingml/2011/main" val="1"/>
             </a:ext>
           </a:extLst>
         </p:spPr>
@@ -34222,7 +34218,7 @@
           </a:ln>
           <a:extLst>
             <a:ext uri="{C572A759-6A51-4108-AA02-DFA0A04FC94B}">
-              <ma14:wrappingTextBoxFlag xmlns:ma14="http://schemas.microsoft.com/office/mac/drawingml/2011/main" xmlns="" val="1"/>
+              <ma14:wrappingTextBoxFlag xmlns="" xmlns:ma14="http://schemas.microsoft.com/office/mac/drawingml/2011/main" val="1"/>
             </a:ext>
           </a:extLst>
         </p:spPr>
@@ -34273,7 +34269,7 @@
           </a:ln>
           <a:extLst>
             <a:ext uri="{C572A759-6A51-4108-AA02-DFA0A04FC94B}">
-              <ma14:wrappingTextBoxFlag xmlns:ma14="http://schemas.microsoft.com/office/mac/drawingml/2011/main" xmlns="" val="1"/>
+              <ma14:wrappingTextBoxFlag xmlns="" xmlns:ma14="http://schemas.microsoft.com/office/mac/drawingml/2011/main" val="1"/>
             </a:ext>
           </a:extLst>
         </p:spPr>
@@ -34320,7 +34316,7 @@
           </a:ln>
           <a:extLst>
             <a:ext uri="{C572A759-6A51-4108-AA02-DFA0A04FC94B}">
-              <ma14:wrappingTextBoxFlag xmlns:ma14="http://schemas.microsoft.com/office/mac/drawingml/2011/main" xmlns="" val="1"/>
+              <ma14:wrappingTextBoxFlag xmlns="" xmlns:ma14="http://schemas.microsoft.com/office/mac/drawingml/2011/main" val="1"/>
             </a:ext>
           </a:extLst>
         </p:spPr>
@@ -34367,7 +34363,7 @@
           </a:ln>
           <a:extLst>
             <a:ext uri="{C572A759-6A51-4108-AA02-DFA0A04FC94B}">
-              <ma14:wrappingTextBoxFlag xmlns:ma14="http://schemas.microsoft.com/office/mac/drawingml/2011/main" xmlns="" val="1"/>
+              <ma14:wrappingTextBoxFlag xmlns="" xmlns:ma14="http://schemas.microsoft.com/office/mac/drawingml/2011/main" val="1"/>
             </a:ext>
           </a:extLst>
         </p:spPr>
@@ -34420,7 +34416,7 @@
           </a:ln>
           <a:extLst>
             <a:ext uri="{C572A759-6A51-4108-AA02-DFA0A04FC94B}">
-              <ma14:wrappingTextBoxFlag xmlns:ma14="http://schemas.microsoft.com/office/mac/drawingml/2011/main" xmlns="" val="1"/>
+              <ma14:wrappingTextBoxFlag xmlns="" xmlns:ma14="http://schemas.microsoft.com/office/mac/drawingml/2011/main" val="1"/>
             </a:ext>
           </a:extLst>
         </p:spPr>
@@ -34479,7 +34475,7 @@
           </a:ln>
           <a:extLst>
             <a:ext uri="{C572A759-6A51-4108-AA02-DFA0A04FC94B}">
-              <ma14:wrappingTextBoxFlag xmlns:ma14="http://schemas.microsoft.com/office/mac/drawingml/2011/main" xmlns="" val="1"/>
+              <ma14:wrappingTextBoxFlag xmlns="" xmlns:ma14="http://schemas.microsoft.com/office/mac/drawingml/2011/main" val="1"/>
             </a:ext>
           </a:extLst>
         </p:spPr>
@@ -34538,7 +34534,7 @@
           </a:ln>
           <a:extLst>
             <a:ext uri="{C572A759-6A51-4108-AA02-DFA0A04FC94B}">
-              <ma14:wrappingTextBoxFlag xmlns:ma14="http://schemas.microsoft.com/office/mac/drawingml/2011/main" xmlns="" val="1"/>
+              <ma14:wrappingTextBoxFlag xmlns="" xmlns:ma14="http://schemas.microsoft.com/office/mac/drawingml/2011/main" val="1"/>
             </a:ext>
           </a:extLst>
         </p:spPr>
@@ -34597,7 +34593,7 @@
           </a:ln>
           <a:extLst>
             <a:ext uri="{C572A759-6A51-4108-AA02-DFA0A04FC94B}">
-              <ma14:wrappingTextBoxFlag xmlns:ma14="http://schemas.microsoft.com/office/mac/drawingml/2011/main" xmlns="" val="1"/>
+              <ma14:wrappingTextBoxFlag xmlns="" xmlns:ma14="http://schemas.microsoft.com/office/mac/drawingml/2011/main" val="1"/>
             </a:ext>
           </a:extLst>
         </p:spPr>
@@ -34650,7 +34646,7 @@
           </a:ln>
           <a:extLst>
             <a:ext uri="{C572A759-6A51-4108-AA02-DFA0A04FC94B}">
-              <ma14:wrappingTextBoxFlag xmlns:ma14="http://schemas.microsoft.com/office/mac/drawingml/2011/main" xmlns="" val="1"/>
+              <ma14:wrappingTextBoxFlag xmlns="" xmlns:ma14="http://schemas.microsoft.com/office/mac/drawingml/2011/main" val="1"/>
             </a:ext>
           </a:extLst>
         </p:spPr>
@@ -34703,7 +34699,7 @@
           </a:ln>
           <a:extLst>
             <a:ext uri="{C572A759-6A51-4108-AA02-DFA0A04FC94B}">
-              <ma14:wrappingTextBoxFlag xmlns:ma14="http://schemas.microsoft.com/office/mac/drawingml/2011/main" xmlns="" val="1"/>
+              <ma14:wrappingTextBoxFlag xmlns="" xmlns:ma14="http://schemas.microsoft.com/office/mac/drawingml/2011/main" val="1"/>
             </a:ext>
           </a:extLst>
         </p:spPr>
@@ -34762,7 +34758,7 @@
           </a:ln>
           <a:extLst>
             <a:ext uri="{C572A759-6A51-4108-AA02-DFA0A04FC94B}">
-              <ma14:wrappingTextBoxFlag xmlns:ma14="http://schemas.microsoft.com/office/mac/drawingml/2011/main" xmlns="" val="1"/>
+              <ma14:wrappingTextBoxFlag xmlns="" xmlns:ma14="http://schemas.microsoft.com/office/mac/drawingml/2011/main" val="1"/>
             </a:ext>
           </a:extLst>
         </p:spPr>
@@ -34821,7 +34817,7 @@
           </a:ln>
           <a:extLst>
             <a:ext uri="{C572A759-6A51-4108-AA02-DFA0A04FC94B}">
-              <ma14:wrappingTextBoxFlag xmlns:ma14="http://schemas.microsoft.com/office/mac/drawingml/2011/main" xmlns="" val="1"/>
+              <ma14:wrappingTextBoxFlag xmlns="" xmlns:ma14="http://schemas.microsoft.com/office/mac/drawingml/2011/main" val="1"/>
             </a:ext>
           </a:extLst>
         </p:spPr>
@@ -34880,7 +34876,7 @@
           </a:ln>
           <a:extLst>
             <a:ext uri="{C572A759-6A51-4108-AA02-DFA0A04FC94B}">
-              <ma14:wrappingTextBoxFlag xmlns:ma14="http://schemas.microsoft.com/office/mac/drawingml/2011/main" xmlns="" val="1"/>
+              <ma14:wrappingTextBoxFlag xmlns="" xmlns:ma14="http://schemas.microsoft.com/office/mac/drawingml/2011/main" val="1"/>
             </a:ext>
           </a:extLst>
         </p:spPr>
@@ -34933,7 +34929,7 @@
           </a:ln>
           <a:extLst>
             <a:ext uri="{C572A759-6A51-4108-AA02-DFA0A04FC94B}">
-              <ma14:wrappingTextBoxFlag xmlns:ma14="http://schemas.microsoft.com/office/mac/drawingml/2011/main" xmlns="" val="1"/>
+              <ma14:wrappingTextBoxFlag xmlns="" xmlns:ma14="http://schemas.microsoft.com/office/mac/drawingml/2011/main" val="1"/>
             </a:ext>
           </a:extLst>
         </p:spPr>
@@ -34986,7 +34982,7 @@
           </a:ln>
           <a:extLst>
             <a:ext uri="{C572A759-6A51-4108-AA02-DFA0A04FC94B}">
-              <ma14:wrappingTextBoxFlag xmlns:ma14="http://schemas.microsoft.com/office/mac/drawingml/2011/main" xmlns="" val="1"/>
+              <ma14:wrappingTextBoxFlag xmlns="" xmlns:ma14="http://schemas.microsoft.com/office/mac/drawingml/2011/main" val="1"/>
             </a:ext>
           </a:extLst>
         </p:spPr>
@@ -35042,7 +35038,7 @@
           </a:ln>
           <a:extLst>
             <a:ext uri="{C572A759-6A51-4108-AA02-DFA0A04FC94B}">
-              <ma14:wrappingTextBoxFlag xmlns:ma14="http://schemas.microsoft.com/office/mac/drawingml/2011/main" xmlns="" val="1"/>
+              <ma14:wrappingTextBoxFlag xmlns="" xmlns:ma14="http://schemas.microsoft.com/office/mac/drawingml/2011/main" val="1"/>
             </a:ext>
           </a:extLst>
         </p:spPr>
@@ -35098,7 +35094,7 @@
           </a:ln>
           <a:extLst>
             <a:ext uri="{C572A759-6A51-4108-AA02-DFA0A04FC94B}">
-              <ma14:wrappingTextBoxFlag xmlns:ma14="http://schemas.microsoft.com/office/mac/drawingml/2011/main" xmlns="" val="1"/>
+              <ma14:wrappingTextBoxFlag xmlns="" xmlns:ma14="http://schemas.microsoft.com/office/mac/drawingml/2011/main" val="1"/>
             </a:ext>
           </a:extLst>
         </p:spPr>
@@ -35154,7 +35150,7 @@
           </a:ln>
           <a:extLst>
             <a:ext uri="{C572A759-6A51-4108-AA02-DFA0A04FC94B}">
-              <ma14:wrappingTextBoxFlag xmlns:ma14="http://schemas.microsoft.com/office/mac/drawingml/2011/main" xmlns="" val="1"/>
+              <ma14:wrappingTextBoxFlag xmlns="" xmlns:ma14="http://schemas.microsoft.com/office/mac/drawingml/2011/main" val="1"/>
             </a:ext>
           </a:extLst>
         </p:spPr>
@@ -37191,7 +37187,7 @@
           </a:ln>
           <a:extLst>
             <a:ext uri="{C572A759-6A51-4108-AA02-DFA0A04FC94B}">
-              <ma14:wrappingTextBoxFlag xmlns:ma14="http://schemas.microsoft.com/office/mac/drawingml/2011/main" xmlns="" val="1"/>
+              <ma14:wrappingTextBoxFlag xmlns="" xmlns:ma14="http://schemas.microsoft.com/office/mac/drawingml/2011/main" val="1"/>
             </a:ext>
           </a:extLst>
         </p:spPr>
@@ -37339,7 +37335,7 @@
           </a:ln>
           <a:extLst>
             <a:ext uri="{C572A759-6A51-4108-AA02-DFA0A04FC94B}">
-              <ma14:wrappingTextBoxFlag xmlns:ma14="http://schemas.microsoft.com/office/mac/drawingml/2011/main" xmlns="" val="1"/>
+              <ma14:wrappingTextBoxFlag xmlns="" xmlns:ma14="http://schemas.microsoft.com/office/mac/drawingml/2011/main" val="1"/>
             </a:ext>
           </a:extLst>
         </p:spPr>
@@ -37412,7 +37408,7 @@
           </a:ln>
           <a:extLst>
             <a:ext uri="{C572A759-6A51-4108-AA02-DFA0A04FC94B}">
-              <ma14:wrappingTextBoxFlag xmlns:ma14="http://schemas.microsoft.com/office/mac/drawingml/2011/main" xmlns="" val="1"/>
+              <ma14:wrappingTextBoxFlag xmlns="" xmlns:ma14="http://schemas.microsoft.com/office/mac/drawingml/2011/main" val="1"/>
             </a:ext>
           </a:extLst>
         </p:spPr>
@@ -37467,7 +37463,7 @@
           </a:ln>
           <a:extLst>
             <a:ext uri="{C572A759-6A51-4108-AA02-DFA0A04FC94B}">
-              <ma14:wrappingTextBoxFlag xmlns:ma14="http://schemas.microsoft.com/office/mac/drawingml/2011/main" xmlns="" val="1"/>
+              <ma14:wrappingTextBoxFlag xmlns="" xmlns:ma14="http://schemas.microsoft.com/office/mac/drawingml/2011/main" val="1"/>
             </a:ext>
           </a:extLst>
         </p:spPr>
@@ -37522,7 +37518,7 @@
           </a:ln>
           <a:extLst>
             <a:ext uri="{C572A759-6A51-4108-AA02-DFA0A04FC94B}">
-              <ma14:wrappingTextBoxFlag xmlns:ma14="http://schemas.microsoft.com/office/mac/drawingml/2011/main" xmlns="" val="1"/>
+              <ma14:wrappingTextBoxFlag xmlns="" xmlns:ma14="http://schemas.microsoft.com/office/mac/drawingml/2011/main" val="1"/>
             </a:ext>
           </a:extLst>
         </p:spPr>
@@ -37577,7 +37573,7 @@
           </a:ln>
           <a:extLst>
             <a:ext uri="{C572A759-6A51-4108-AA02-DFA0A04FC94B}">
-              <ma14:wrappingTextBoxFlag xmlns:ma14="http://schemas.microsoft.com/office/mac/drawingml/2011/main" xmlns="" val="1"/>
+              <ma14:wrappingTextBoxFlag xmlns="" xmlns:ma14="http://schemas.microsoft.com/office/mac/drawingml/2011/main" val="1"/>
             </a:ext>
           </a:extLst>
         </p:spPr>
@@ -37626,7 +37622,7 @@
           </a:ln>
           <a:extLst>
             <a:ext uri="{C572A759-6A51-4108-AA02-DFA0A04FC94B}">
-              <ma14:wrappingTextBoxFlag xmlns:ma14="http://schemas.microsoft.com/office/mac/drawingml/2011/main" xmlns="" val="1"/>
+              <ma14:wrappingTextBoxFlag xmlns="" xmlns:ma14="http://schemas.microsoft.com/office/mac/drawingml/2011/main" val="1"/>
             </a:ext>
           </a:extLst>
         </p:spPr>
@@ -45471,7 +45467,7 @@
           </a:ln>
           <a:extLst>
             <a:ext uri="{C572A759-6A51-4108-AA02-DFA0A04FC94B}">
-              <ma14:wrappingTextBoxFlag xmlns:ma14="http://schemas.microsoft.com/office/mac/drawingml/2011/main" xmlns="" val="1"/>
+              <ma14:wrappingTextBoxFlag xmlns="" xmlns:ma14="http://schemas.microsoft.com/office/mac/drawingml/2011/main" val="1"/>
             </a:ext>
           </a:extLst>
         </p:spPr>
@@ -45600,7 +45596,7 @@
           </a:ln>
           <a:extLst>
             <a:ext uri="{C572A759-6A51-4108-AA02-DFA0A04FC94B}">
-              <ma14:wrappingTextBoxFlag xmlns:ma14="http://schemas.microsoft.com/office/mac/drawingml/2011/main" xmlns="" val="1"/>
+              <ma14:wrappingTextBoxFlag xmlns="" xmlns:ma14="http://schemas.microsoft.com/office/mac/drawingml/2011/main" val="1"/>
             </a:ext>
           </a:extLst>
         </p:spPr>
@@ -45726,7 +45722,7 @@
           </a:ln>
           <a:extLst>
             <a:ext uri="{C572A759-6A51-4108-AA02-DFA0A04FC94B}">
-              <ma14:wrappingTextBoxFlag xmlns:ma14="http://schemas.microsoft.com/office/mac/drawingml/2011/main" xmlns="" val="1"/>
+              <ma14:wrappingTextBoxFlag xmlns="" xmlns:ma14="http://schemas.microsoft.com/office/mac/drawingml/2011/main" val="1"/>
             </a:ext>
           </a:extLst>
         </p:spPr>
@@ -45782,7 +45778,7 @@
           </a:ln>
           <a:extLst>
             <a:ext uri="{C572A759-6A51-4108-AA02-DFA0A04FC94B}">
-              <ma14:wrappingTextBoxFlag xmlns:ma14="http://schemas.microsoft.com/office/mac/drawingml/2011/main" xmlns="" val="1"/>
+              <ma14:wrappingTextBoxFlag xmlns="" xmlns:ma14="http://schemas.microsoft.com/office/mac/drawingml/2011/main" val="1"/>
             </a:ext>
           </a:extLst>
         </p:spPr>
@@ -45838,7 +45834,7 @@
           </a:ln>
           <a:extLst>
             <a:ext uri="{C572A759-6A51-4108-AA02-DFA0A04FC94B}">
-              <ma14:wrappingTextBoxFlag xmlns:ma14="http://schemas.microsoft.com/office/mac/drawingml/2011/main" xmlns="" val="1"/>
+              <ma14:wrappingTextBoxFlag xmlns="" xmlns:ma14="http://schemas.microsoft.com/office/mac/drawingml/2011/main" val="1"/>
             </a:ext>
           </a:extLst>
         </p:spPr>
@@ -45894,7 +45890,7 @@
           </a:ln>
           <a:extLst>
             <a:ext uri="{C572A759-6A51-4108-AA02-DFA0A04FC94B}">
-              <ma14:wrappingTextBoxFlag xmlns:ma14="http://schemas.microsoft.com/office/mac/drawingml/2011/main" xmlns="" val="1"/>
+              <ma14:wrappingTextBoxFlag xmlns="" xmlns:ma14="http://schemas.microsoft.com/office/mac/drawingml/2011/main" val="1"/>
             </a:ext>
           </a:extLst>
         </p:spPr>
@@ -45950,7 +45946,7 @@
           </a:ln>
           <a:extLst>
             <a:ext uri="{C572A759-6A51-4108-AA02-DFA0A04FC94B}">
-              <ma14:wrappingTextBoxFlag xmlns:ma14="http://schemas.microsoft.com/office/mac/drawingml/2011/main" xmlns="" val="1"/>
+              <ma14:wrappingTextBoxFlag xmlns="" xmlns:ma14="http://schemas.microsoft.com/office/mac/drawingml/2011/main" val="1"/>
             </a:ext>
           </a:extLst>
         </p:spPr>
@@ -46006,7 +46002,7 @@
           </a:ln>
           <a:extLst>
             <a:ext uri="{C572A759-6A51-4108-AA02-DFA0A04FC94B}">
-              <ma14:wrappingTextBoxFlag xmlns:ma14="http://schemas.microsoft.com/office/mac/drawingml/2011/main" xmlns="" val="1"/>
+              <ma14:wrappingTextBoxFlag xmlns="" xmlns:ma14="http://schemas.microsoft.com/office/mac/drawingml/2011/main" val="1"/>
             </a:ext>
           </a:extLst>
         </p:spPr>
@@ -46062,7 +46058,7 @@
           </a:ln>
           <a:extLst>
             <a:ext uri="{C572A759-6A51-4108-AA02-DFA0A04FC94B}">
-              <ma14:wrappingTextBoxFlag xmlns:ma14="http://schemas.microsoft.com/office/mac/drawingml/2011/main" xmlns="" val="1"/>
+              <ma14:wrappingTextBoxFlag xmlns="" xmlns:ma14="http://schemas.microsoft.com/office/mac/drawingml/2011/main" val="1"/>
             </a:ext>
           </a:extLst>
         </p:spPr>
@@ -46126,7 +46122,7 @@
           </a:ln>
           <a:extLst>
             <a:ext uri="{C572A759-6A51-4108-AA02-DFA0A04FC94B}">
-              <ma14:wrappingTextBoxFlag xmlns:ma14="http://schemas.microsoft.com/office/mac/drawingml/2011/main" xmlns="" val="1"/>
+              <ma14:wrappingTextBoxFlag xmlns="" xmlns:ma14="http://schemas.microsoft.com/office/mac/drawingml/2011/main" val="1"/>
             </a:ext>
           </a:extLst>
         </p:spPr>
@@ -46249,7 +46245,7 @@
           </a:ln>
           <a:extLst>
             <a:ext uri="{C572A759-6A51-4108-AA02-DFA0A04FC94B}">
-              <ma14:wrappingTextBoxFlag xmlns:ma14="http://schemas.microsoft.com/office/mac/drawingml/2011/main" xmlns="" val="1"/>
+              <ma14:wrappingTextBoxFlag xmlns="" xmlns:ma14="http://schemas.microsoft.com/office/mac/drawingml/2011/main" val="1"/>
             </a:ext>
           </a:extLst>
         </p:spPr>
@@ -46318,7 +46314,7 @@
           </a:ln>
           <a:extLst>
             <a:ext uri="{C572A759-6A51-4108-AA02-DFA0A04FC94B}">
-              <ma14:wrappingTextBoxFlag xmlns:ma14="http://schemas.microsoft.com/office/mac/drawingml/2011/main" xmlns="" val="1"/>
+              <ma14:wrappingTextBoxFlag xmlns="" xmlns:ma14="http://schemas.microsoft.com/office/mac/drawingml/2011/main" val="1"/>
             </a:ext>
           </a:extLst>
         </p:spPr>
@@ -46521,7 +46517,7 @@
           </a:ln>
           <a:extLst>
             <a:ext uri="{C572A759-6A51-4108-AA02-DFA0A04FC94B}">
-              <ma14:wrappingTextBoxFlag xmlns:ma14="http://schemas.microsoft.com/office/mac/drawingml/2011/main" xmlns="" val="1"/>
+              <ma14:wrappingTextBoxFlag xmlns="" xmlns:ma14="http://schemas.microsoft.com/office/mac/drawingml/2011/main" val="1"/>
             </a:ext>
           </a:extLst>
         </p:spPr>
@@ -46650,7 +46646,7 @@
           </a:ln>
           <a:extLst>
             <a:ext uri="{C572A759-6A51-4108-AA02-DFA0A04FC94B}">
-              <ma14:wrappingTextBoxFlag xmlns:ma14="http://schemas.microsoft.com/office/mac/drawingml/2011/main" xmlns="" val="1"/>
+              <ma14:wrappingTextBoxFlag xmlns="" xmlns:ma14="http://schemas.microsoft.com/office/mac/drawingml/2011/main" val="1"/>
             </a:ext>
           </a:extLst>
         </p:spPr>
@@ -46776,7 +46772,7 @@
           </a:ln>
           <a:extLst>
             <a:ext uri="{C572A759-6A51-4108-AA02-DFA0A04FC94B}">
-              <ma14:wrappingTextBoxFlag xmlns:ma14="http://schemas.microsoft.com/office/mac/drawingml/2011/main" xmlns="" val="1"/>
+              <ma14:wrappingTextBoxFlag xmlns="" xmlns:ma14="http://schemas.microsoft.com/office/mac/drawingml/2011/main" val="1"/>
             </a:ext>
           </a:extLst>
         </p:spPr>
@@ -46899,7 +46895,7 @@
           </a:ln>
           <a:extLst>
             <a:ext uri="{C572A759-6A51-4108-AA02-DFA0A04FC94B}">
-              <ma14:wrappingTextBoxFlag xmlns:ma14="http://schemas.microsoft.com/office/mac/drawingml/2011/main" xmlns="" val="1"/>
+              <ma14:wrappingTextBoxFlag xmlns="" xmlns:ma14="http://schemas.microsoft.com/office/mac/drawingml/2011/main" val="1"/>
             </a:ext>
           </a:extLst>
         </p:spPr>
@@ -46968,7 +46964,7 @@
           </a:ln>
           <a:extLst>
             <a:ext uri="{C572A759-6A51-4108-AA02-DFA0A04FC94B}">
-              <ma14:wrappingTextBoxFlag xmlns:ma14="http://schemas.microsoft.com/office/mac/drawingml/2011/main" xmlns="" val="1"/>
+              <ma14:wrappingTextBoxFlag xmlns="" xmlns:ma14="http://schemas.microsoft.com/office/mac/drawingml/2011/main" val="1"/>
             </a:ext>
           </a:extLst>
         </p:spPr>
@@ -47024,7 +47020,7 @@
           </a:ln>
           <a:extLst>
             <a:ext uri="{C572A759-6A51-4108-AA02-DFA0A04FC94B}">
-              <ma14:wrappingTextBoxFlag xmlns:ma14="http://schemas.microsoft.com/office/mac/drawingml/2011/main" xmlns="" val="1"/>
+              <ma14:wrappingTextBoxFlag xmlns="" xmlns:ma14="http://schemas.microsoft.com/office/mac/drawingml/2011/main" val="1"/>
             </a:ext>
           </a:extLst>
         </p:spPr>
@@ -47253,7 +47249,7 @@
           </a:ln>
           <a:extLst>
             <a:ext uri="{C572A759-6A51-4108-AA02-DFA0A04FC94B}">
-              <ma14:wrappingTextBoxFlag xmlns:ma14="http://schemas.microsoft.com/office/mac/drawingml/2011/main" xmlns="" val="1"/>
+              <ma14:wrappingTextBoxFlag xmlns="" xmlns:ma14="http://schemas.microsoft.com/office/mac/drawingml/2011/main" val="1"/>
             </a:ext>
           </a:extLst>
         </p:spPr>
@@ -47309,7 +47305,7 @@
           </a:ln>
           <a:extLst>
             <a:ext uri="{C572A759-6A51-4108-AA02-DFA0A04FC94B}">
-              <ma14:wrappingTextBoxFlag xmlns:ma14="http://schemas.microsoft.com/office/mac/drawingml/2011/main" xmlns="" val="1"/>
+              <ma14:wrappingTextBoxFlag xmlns="" xmlns:ma14="http://schemas.microsoft.com/office/mac/drawingml/2011/main" val="1"/>
             </a:ext>
           </a:extLst>
         </p:spPr>
@@ -47365,7 +47361,7 @@
           </a:ln>
           <a:extLst>
             <a:ext uri="{C572A759-6A51-4108-AA02-DFA0A04FC94B}">
-              <ma14:wrappingTextBoxFlag xmlns:ma14="http://schemas.microsoft.com/office/mac/drawingml/2011/main" xmlns="" val="1"/>
+              <ma14:wrappingTextBoxFlag xmlns="" xmlns:ma14="http://schemas.microsoft.com/office/mac/drawingml/2011/main" val="1"/>
             </a:ext>
           </a:extLst>
         </p:spPr>
@@ -47421,7 +47417,7 @@
           </a:ln>
           <a:extLst>
             <a:ext uri="{C572A759-6A51-4108-AA02-DFA0A04FC94B}">
-              <ma14:wrappingTextBoxFlag xmlns:ma14="http://schemas.microsoft.com/office/mac/drawingml/2011/main" xmlns="" val="1"/>
+              <ma14:wrappingTextBoxFlag xmlns="" xmlns:ma14="http://schemas.microsoft.com/office/mac/drawingml/2011/main" val="1"/>
             </a:ext>
           </a:extLst>
         </p:spPr>
@@ -47477,7 +47473,7 @@
           </a:ln>
           <a:extLst>
             <a:ext uri="{C572A759-6A51-4108-AA02-DFA0A04FC94B}">
-              <ma14:wrappingTextBoxFlag xmlns:ma14="http://schemas.microsoft.com/office/mac/drawingml/2011/main" xmlns="" val="1"/>
+              <ma14:wrappingTextBoxFlag xmlns="" xmlns:ma14="http://schemas.microsoft.com/office/mac/drawingml/2011/main" val="1"/>
             </a:ext>
           </a:extLst>
         </p:spPr>
@@ -47533,7 +47529,7 @@
           </a:ln>
           <a:extLst>
             <a:ext uri="{C572A759-6A51-4108-AA02-DFA0A04FC94B}">
-              <ma14:wrappingTextBoxFlag xmlns:ma14="http://schemas.microsoft.com/office/mac/drawingml/2011/main" xmlns="" val="1"/>
+              <ma14:wrappingTextBoxFlag xmlns="" xmlns:ma14="http://schemas.microsoft.com/office/mac/drawingml/2011/main" val="1"/>
             </a:ext>
           </a:extLst>
         </p:spPr>
@@ -47589,7 +47585,7 @@
           </a:ln>
           <a:extLst>
             <a:ext uri="{C572A759-6A51-4108-AA02-DFA0A04FC94B}">
-              <ma14:wrappingTextBoxFlag xmlns:ma14="http://schemas.microsoft.com/office/mac/drawingml/2011/main" xmlns="" val="1"/>
+              <ma14:wrappingTextBoxFlag xmlns="" xmlns:ma14="http://schemas.microsoft.com/office/mac/drawingml/2011/main" val="1"/>
             </a:ext>
           </a:extLst>
         </p:spPr>
